--- a/process.pptx
+++ b/process.pptx
@@ -5,8 +5,7 @@
     <p:sldMasterId id="2147483648" r:id="rId1"/>
   </p:sldMasterIdLst>
   <p:sldIdLst>
-    <p:sldId id="256" r:id="rId2"/>
-    <p:sldId id="257" r:id="rId3"/>
+    <p:sldId id="257" r:id="rId2"/>
   </p:sldIdLst>
   <p:sldSz cx="9144000" cy="6858000" type="screen4x3"/>
   <p:notesSz cx="6858000" cy="9144000"/>
@@ -855,1028 +854,7 @@
 </dgm:colorsDef>
 </file>
 
-<file path=ppt/diagrams/colors2.xml><?xml version="1.0" encoding="utf-8"?>
-<dgm:colorsDef xmlns:dgm="http://schemas.openxmlformats.org/drawingml/2006/diagram" xmlns:a="http://schemas.openxmlformats.org/drawingml/2006/main" uniqueId="urn:microsoft.com/office/officeart/2005/8/colors/accent1_2">
-  <dgm:title val=""/>
-  <dgm:desc val=""/>
-  <dgm:catLst>
-    <dgm:cat type="accent1" pri="11200"/>
-  </dgm:catLst>
-  <dgm:styleLbl name="node0">
-    <dgm:fillClrLst meth="repeat">
-      <a:schemeClr val="accent1"/>
-    </dgm:fillClrLst>
-    <dgm:linClrLst meth="repeat">
-      <a:schemeClr val="lt1"/>
-    </dgm:linClrLst>
-    <dgm:effectClrLst/>
-    <dgm:txLinClrLst/>
-    <dgm:txFillClrLst/>
-    <dgm:txEffectClrLst/>
-  </dgm:styleLbl>
-  <dgm:styleLbl name="alignNode1">
-    <dgm:fillClrLst meth="repeat">
-      <a:schemeClr val="accent1"/>
-    </dgm:fillClrLst>
-    <dgm:linClrLst meth="repeat">
-      <a:schemeClr val="accent1"/>
-    </dgm:linClrLst>
-    <dgm:effectClrLst/>
-    <dgm:txLinClrLst/>
-    <dgm:txFillClrLst/>
-    <dgm:txEffectClrLst/>
-  </dgm:styleLbl>
-  <dgm:styleLbl name="node1">
-    <dgm:fillClrLst meth="repeat">
-      <a:schemeClr val="accent1"/>
-    </dgm:fillClrLst>
-    <dgm:linClrLst meth="repeat">
-      <a:schemeClr val="lt1"/>
-    </dgm:linClrLst>
-    <dgm:effectClrLst/>
-    <dgm:txLinClrLst/>
-    <dgm:txFillClrLst/>
-    <dgm:txEffectClrLst/>
-  </dgm:styleLbl>
-  <dgm:styleLbl name="lnNode1">
-    <dgm:fillClrLst meth="repeat">
-      <a:schemeClr val="accent1"/>
-    </dgm:fillClrLst>
-    <dgm:linClrLst meth="repeat">
-      <a:schemeClr val="lt1"/>
-    </dgm:linClrLst>
-    <dgm:effectClrLst/>
-    <dgm:txLinClrLst/>
-    <dgm:txFillClrLst/>
-    <dgm:txEffectClrLst/>
-  </dgm:styleLbl>
-  <dgm:styleLbl name="vennNode1">
-    <dgm:fillClrLst meth="repeat">
-      <a:schemeClr val="accent1">
-        <a:alpha val="50000"/>
-      </a:schemeClr>
-    </dgm:fillClrLst>
-    <dgm:linClrLst meth="repeat">
-      <a:schemeClr val="lt1"/>
-    </dgm:linClrLst>
-    <dgm:effectClrLst/>
-    <dgm:txLinClrLst/>
-    <dgm:txFillClrLst/>
-    <dgm:txEffectClrLst/>
-  </dgm:styleLbl>
-  <dgm:styleLbl name="node2">
-    <dgm:fillClrLst meth="repeat">
-      <a:schemeClr val="accent1"/>
-    </dgm:fillClrLst>
-    <dgm:linClrLst meth="repeat">
-      <a:schemeClr val="lt1"/>
-    </dgm:linClrLst>
-    <dgm:effectClrLst/>
-    <dgm:txLinClrLst/>
-    <dgm:txFillClrLst/>
-    <dgm:txEffectClrLst/>
-  </dgm:styleLbl>
-  <dgm:styleLbl name="node3">
-    <dgm:fillClrLst meth="repeat">
-      <a:schemeClr val="accent1"/>
-    </dgm:fillClrLst>
-    <dgm:linClrLst meth="repeat">
-      <a:schemeClr val="lt1"/>
-    </dgm:linClrLst>
-    <dgm:effectClrLst/>
-    <dgm:txLinClrLst/>
-    <dgm:txFillClrLst/>
-    <dgm:txEffectClrLst/>
-  </dgm:styleLbl>
-  <dgm:styleLbl name="node4">
-    <dgm:fillClrLst meth="repeat">
-      <a:schemeClr val="accent1"/>
-    </dgm:fillClrLst>
-    <dgm:linClrLst meth="repeat">
-      <a:schemeClr val="lt1"/>
-    </dgm:linClrLst>
-    <dgm:effectClrLst/>
-    <dgm:txLinClrLst/>
-    <dgm:txFillClrLst/>
-    <dgm:txEffectClrLst/>
-  </dgm:styleLbl>
-  <dgm:styleLbl name="fgImgPlace1">
-    <dgm:fillClrLst meth="repeat">
-      <a:schemeClr val="accent1">
-        <a:tint val="50000"/>
-      </a:schemeClr>
-    </dgm:fillClrLst>
-    <dgm:linClrLst meth="repeat">
-      <a:schemeClr val="lt1"/>
-    </dgm:linClrLst>
-    <dgm:effectClrLst/>
-    <dgm:txLinClrLst/>
-    <dgm:txFillClrLst meth="repeat">
-      <a:schemeClr val="lt1"/>
-    </dgm:txFillClrLst>
-    <dgm:txEffectClrLst/>
-  </dgm:styleLbl>
-  <dgm:styleLbl name="alignImgPlace1">
-    <dgm:fillClrLst meth="repeat">
-      <a:schemeClr val="accent1">
-        <a:tint val="50000"/>
-      </a:schemeClr>
-    </dgm:fillClrLst>
-    <dgm:linClrLst meth="repeat">
-      <a:schemeClr val="lt1"/>
-    </dgm:linClrLst>
-    <dgm:effectClrLst/>
-    <dgm:txLinClrLst/>
-    <dgm:txFillClrLst meth="repeat">
-      <a:schemeClr val="lt1"/>
-    </dgm:txFillClrLst>
-    <dgm:txEffectClrLst/>
-  </dgm:styleLbl>
-  <dgm:styleLbl name="bgImgPlace1">
-    <dgm:fillClrLst meth="repeat">
-      <a:schemeClr val="accent1">
-        <a:tint val="50000"/>
-      </a:schemeClr>
-    </dgm:fillClrLst>
-    <dgm:linClrLst meth="repeat">
-      <a:schemeClr val="lt1"/>
-    </dgm:linClrLst>
-    <dgm:effectClrLst/>
-    <dgm:txLinClrLst/>
-    <dgm:txFillClrLst meth="repeat">
-      <a:schemeClr val="lt1"/>
-    </dgm:txFillClrLst>
-    <dgm:txEffectClrLst/>
-  </dgm:styleLbl>
-  <dgm:styleLbl name="sibTrans2D1">
-    <dgm:fillClrLst meth="repeat">
-      <a:schemeClr val="accent1">
-        <a:tint val="60000"/>
-      </a:schemeClr>
-    </dgm:fillClrLst>
-    <dgm:linClrLst meth="repeat">
-      <a:schemeClr val="accent1">
-        <a:tint val="60000"/>
-      </a:schemeClr>
-    </dgm:linClrLst>
-    <dgm:effectClrLst/>
-    <dgm:txLinClrLst/>
-    <dgm:txFillClrLst/>
-    <dgm:txEffectClrLst/>
-  </dgm:styleLbl>
-  <dgm:styleLbl name="fgSibTrans2D1">
-    <dgm:fillClrLst meth="repeat">
-      <a:schemeClr val="accent1">
-        <a:tint val="60000"/>
-      </a:schemeClr>
-    </dgm:fillClrLst>
-    <dgm:linClrLst meth="repeat">
-      <a:schemeClr val="accent1">
-        <a:tint val="60000"/>
-      </a:schemeClr>
-    </dgm:linClrLst>
-    <dgm:effectClrLst/>
-    <dgm:txLinClrLst/>
-    <dgm:txFillClrLst/>
-    <dgm:txEffectClrLst/>
-  </dgm:styleLbl>
-  <dgm:styleLbl name="bgSibTrans2D1">
-    <dgm:fillClrLst meth="repeat">
-      <a:schemeClr val="accent1">
-        <a:tint val="60000"/>
-      </a:schemeClr>
-    </dgm:fillClrLst>
-    <dgm:linClrLst meth="repeat">
-      <a:schemeClr val="accent1">
-        <a:tint val="60000"/>
-      </a:schemeClr>
-    </dgm:linClrLst>
-    <dgm:effectClrLst/>
-    <dgm:txLinClrLst/>
-    <dgm:txFillClrLst/>
-    <dgm:txEffectClrLst/>
-  </dgm:styleLbl>
-  <dgm:styleLbl name="sibTrans1D1">
-    <dgm:fillClrLst meth="repeat">
-      <a:schemeClr val="accent1"/>
-    </dgm:fillClrLst>
-    <dgm:linClrLst meth="repeat">
-      <a:schemeClr val="accent1"/>
-    </dgm:linClrLst>
-    <dgm:effectClrLst/>
-    <dgm:txLinClrLst/>
-    <dgm:txFillClrLst meth="repeat">
-      <a:schemeClr val="tx1"/>
-    </dgm:txFillClrLst>
-    <dgm:txEffectClrLst/>
-  </dgm:styleLbl>
-  <dgm:styleLbl name="callout">
-    <dgm:fillClrLst meth="repeat">
-      <a:schemeClr val="accent1"/>
-    </dgm:fillClrLst>
-    <dgm:linClrLst meth="repeat">
-      <a:schemeClr val="accent1">
-        <a:tint val="50000"/>
-      </a:schemeClr>
-    </dgm:linClrLst>
-    <dgm:effectClrLst/>
-    <dgm:txLinClrLst/>
-    <dgm:txFillClrLst meth="repeat">
-      <a:schemeClr val="tx1"/>
-    </dgm:txFillClrLst>
-    <dgm:txEffectClrLst/>
-  </dgm:styleLbl>
-  <dgm:styleLbl name="asst0">
-    <dgm:fillClrLst meth="repeat">
-      <a:schemeClr val="accent1"/>
-    </dgm:fillClrLst>
-    <dgm:linClrLst meth="repeat">
-      <a:schemeClr val="lt1"/>
-    </dgm:linClrLst>
-    <dgm:effectClrLst/>
-    <dgm:txLinClrLst/>
-    <dgm:txFillClrLst/>
-    <dgm:txEffectClrLst/>
-  </dgm:styleLbl>
-  <dgm:styleLbl name="asst1">
-    <dgm:fillClrLst meth="repeat">
-      <a:schemeClr val="accent1"/>
-    </dgm:fillClrLst>
-    <dgm:linClrLst meth="repeat">
-      <a:schemeClr val="lt1"/>
-    </dgm:linClrLst>
-    <dgm:effectClrLst/>
-    <dgm:txLinClrLst/>
-    <dgm:txFillClrLst/>
-    <dgm:txEffectClrLst/>
-  </dgm:styleLbl>
-  <dgm:styleLbl name="asst2">
-    <dgm:fillClrLst meth="repeat">
-      <a:schemeClr val="accent1"/>
-    </dgm:fillClrLst>
-    <dgm:linClrLst meth="repeat">
-      <a:schemeClr val="lt1"/>
-    </dgm:linClrLst>
-    <dgm:effectClrLst/>
-    <dgm:txLinClrLst/>
-    <dgm:txFillClrLst/>
-    <dgm:txEffectClrLst/>
-  </dgm:styleLbl>
-  <dgm:styleLbl name="asst3">
-    <dgm:fillClrLst meth="repeat">
-      <a:schemeClr val="accent1"/>
-    </dgm:fillClrLst>
-    <dgm:linClrLst meth="repeat">
-      <a:schemeClr val="lt1"/>
-    </dgm:linClrLst>
-    <dgm:effectClrLst/>
-    <dgm:txLinClrLst/>
-    <dgm:txFillClrLst/>
-    <dgm:txEffectClrLst/>
-  </dgm:styleLbl>
-  <dgm:styleLbl name="asst4">
-    <dgm:fillClrLst meth="repeat">
-      <a:schemeClr val="accent1"/>
-    </dgm:fillClrLst>
-    <dgm:linClrLst meth="repeat">
-      <a:schemeClr val="lt1"/>
-    </dgm:linClrLst>
-    <dgm:effectClrLst/>
-    <dgm:txLinClrLst/>
-    <dgm:txFillClrLst/>
-    <dgm:txEffectClrLst/>
-  </dgm:styleLbl>
-  <dgm:styleLbl name="parChTrans2D1">
-    <dgm:fillClrLst meth="repeat">
-      <a:schemeClr val="accent1">
-        <a:tint val="60000"/>
-      </a:schemeClr>
-    </dgm:fillClrLst>
-    <dgm:linClrLst meth="repeat">
-      <a:schemeClr val="accent1">
-        <a:tint val="60000"/>
-      </a:schemeClr>
-    </dgm:linClrLst>
-    <dgm:effectClrLst/>
-    <dgm:txLinClrLst/>
-    <dgm:txFillClrLst meth="repeat">
-      <a:schemeClr val="lt1"/>
-    </dgm:txFillClrLst>
-    <dgm:txEffectClrLst/>
-  </dgm:styleLbl>
-  <dgm:styleLbl name="parChTrans2D2">
-    <dgm:fillClrLst meth="repeat">
-      <a:schemeClr val="accent1"/>
-    </dgm:fillClrLst>
-    <dgm:linClrLst meth="repeat">
-      <a:schemeClr val="accent1"/>
-    </dgm:linClrLst>
-    <dgm:effectClrLst/>
-    <dgm:txLinClrLst/>
-    <dgm:txFillClrLst meth="repeat">
-      <a:schemeClr val="lt1"/>
-    </dgm:txFillClrLst>
-    <dgm:txEffectClrLst/>
-  </dgm:styleLbl>
-  <dgm:styleLbl name="parChTrans2D3">
-    <dgm:fillClrLst meth="repeat">
-      <a:schemeClr val="accent1"/>
-    </dgm:fillClrLst>
-    <dgm:linClrLst meth="repeat">
-      <a:schemeClr val="accent1"/>
-    </dgm:linClrLst>
-    <dgm:effectClrLst/>
-    <dgm:txLinClrLst/>
-    <dgm:txFillClrLst meth="repeat">
-      <a:schemeClr val="lt1"/>
-    </dgm:txFillClrLst>
-    <dgm:txEffectClrLst/>
-  </dgm:styleLbl>
-  <dgm:styleLbl name="parChTrans2D4">
-    <dgm:fillClrLst meth="repeat">
-      <a:schemeClr val="accent1"/>
-    </dgm:fillClrLst>
-    <dgm:linClrLst meth="repeat">
-      <a:schemeClr val="accent1"/>
-    </dgm:linClrLst>
-    <dgm:effectClrLst/>
-    <dgm:txLinClrLst/>
-    <dgm:txFillClrLst meth="repeat">
-      <a:schemeClr val="lt1"/>
-    </dgm:txFillClrLst>
-    <dgm:txEffectClrLst/>
-  </dgm:styleLbl>
-  <dgm:styleLbl name="parChTrans1D1">
-    <dgm:fillClrLst meth="repeat">
-      <a:schemeClr val="accent1"/>
-    </dgm:fillClrLst>
-    <dgm:linClrLst meth="repeat">
-      <a:schemeClr val="accent1">
-        <a:shade val="60000"/>
-      </a:schemeClr>
-    </dgm:linClrLst>
-    <dgm:effectClrLst/>
-    <dgm:txLinClrLst/>
-    <dgm:txFillClrLst meth="repeat">
-      <a:schemeClr val="tx1"/>
-    </dgm:txFillClrLst>
-    <dgm:txEffectClrLst/>
-  </dgm:styleLbl>
-  <dgm:styleLbl name="parChTrans1D2">
-    <dgm:fillClrLst meth="repeat">
-      <a:schemeClr val="accent1"/>
-    </dgm:fillClrLst>
-    <dgm:linClrLst meth="repeat">
-      <a:schemeClr val="accent1">
-        <a:shade val="60000"/>
-      </a:schemeClr>
-    </dgm:linClrLst>
-    <dgm:effectClrLst/>
-    <dgm:txLinClrLst/>
-    <dgm:txFillClrLst meth="repeat">
-      <a:schemeClr val="tx1"/>
-    </dgm:txFillClrLst>
-    <dgm:txEffectClrLst/>
-  </dgm:styleLbl>
-  <dgm:styleLbl name="parChTrans1D3">
-    <dgm:fillClrLst meth="repeat">
-      <a:schemeClr val="accent1"/>
-    </dgm:fillClrLst>
-    <dgm:linClrLst meth="repeat">
-      <a:schemeClr val="accent1">
-        <a:shade val="80000"/>
-      </a:schemeClr>
-    </dgm:linClrLst>
-    <dgm:effectClrLst/>
-    <dgm:txLinClrLst/>
-    <dgm:txFillClrLst meth="repeat">
-      <a:schemeClr val="tx1"/>
-    </dgm:txFillClrLst>
-    <dgm:txEffectClrLst/>
-  </dgm:styleLbl>
-  <dgm:styleLbl name="parChTrans1D4">
-    <dgm:fillClrLst meth="repeat">
-      <a:schemeClr val="accent1"/>
-    </dgm:fillClrLst>
-    <dgm:linClrLst meth="repeat">
-      <a:schemeClr val="accent1">
-        <a:shade val="80000"/>
-      </a:schemeClr>
-    </dgm:linClrLst>
-    <dgm:effectClrLst/>
-    <dgm:txLinClrLst/>
-    <dgm:txFillClrLst meth="repeat">
-      <a:schemeClr val="tx1"/>
-    </dgm:txFillClrLst>
-    <dgm:txEffectClrLst/>
-  </dgm:styleLbl>
-  <dgm:styleLbl name="fgAcc1">
-    <dgm:fillClrLst meth="repeat">
-      <a:schemeClr val="lt1">
-        <a:alpha val="90000"/>
-      </a:schemeClr>
-    </dgm:fillClrLst>
-    <dgm:linClrLst meth="repeat">
-      <a:schemeClr val="accent1"/>
-    </dgm:linClrLst>
-    <dgm:effectClrLst/>
-    <dgm:txLinClrLst/>
-    <dgm:txFillClrLst meth="repeat">
-      <a:schemeClr val="dk1"/>
-    </dgm:txFillClrLst>
-    <dgm:txEffectClrLst/>
-  </dgm:styleLbl>
-  <dgm:styleLbl name="conFgAcc1">
-    <dgm:fillClrLst meth="repeat">
-      <a:schemeClr val="lt1">
-        <a:alpha val="90000"/>
-      </a:schemeClr>
-    </dgm:fillClrLst>
-    <dgm:linClrLst meth="repeat">
-      <a:schemeClr val="accent1"/>
-    </dgm:linClrLst>
-    <dgm:effectClrLst/>
-    <dgm:txLinClrLst/>
-    <dgm:txFillClrLst meth="repeat">
-      <a:schemeClr val="dk1"/>
-    </dgm:txFillClrLst>
-    <dgm:txEffectClrLst/>
-  </dgm:styleLbl>
-  <dgm:styleLbl name="alignAcc1">
-    <dgm:fillClrLst meth="repeat">
-      <a:schemeClr val="lt1">
-        <a:alpha val="90000"/>
-      </a:schemeClr>
-    </dgm:fillClrLst>
-    <dgm:linClrLst meth="repeat">
-      <a:schemeClr val="accent1"/>
-    </dgm:linClrLst>
-    <dgm:effectClrLst/>
-    <dgm:txLinClrLst/>
-    <dgm:txFillClrLst meth="repeat">
-      <a:schemeClr val="dk1"/>
-    </dgm:txFillClrLst>
-    <dgm:txEffectClrLst/>
-  </dgm:styleLbl>
-  <dgm:styleLbl name="trAlignAcc1">
-    <dgm:fillClrLst meth="repeat">
-      <a:schemeClr val="lt1">
-        <a:alpha val="40000"/>
-      </a:schemeClr>
-    </dgm:fillClrLst>
-    <dgm:linClrLst meth="repeat">
-      <a:schemeClr val="accent1"/>
-    </dgm:linClrLst>
-    <dgm:effectClrLst/>
-    <dgm:txLinClrLst/>
-    <dgm:txFillClrLst meth="repeat">
-      <a:schemeClr val="dk1"/>
-    </dgm:txFillClrLst>
-    <dgm:txEffectClrLst/>
-  </dgm:styleLbl>
-  <dgm:styleLbl name="bgAcc1">
-    <dgm:fillClrLst meth="repeat">
-      <a:schemeClr val="lt1">
-        <a:alpha val="90000"/>
-      </a:schemeClr>
-    </dgm:fillClrLst>
-    <dgm:linClrLst meth="repeat">
-      <a:schemeClr val="accent1"/>
-    </dgm:linClrLst>
-    <dgm:effectClrLst/>
-    <dgm:txLinClrLst/>
-    <dgm:txFillClrLst meth="repeat">
-      <a:schemeClr val="dk1"/>
-    </dgm:txFillClrLst>
-    <dgm:txEffectClrLst/>
-  </dgm:styleLbl>
-  <dgm:styleLbl name="solidFgAcc1">
-    <dgm:fillClrLst meth="repeat">
-      <a:schemeClr val="lt1"/>
-    </dgm:fillClrLst>
-    <dgm:linClrLst meth="repeat">
-      <a:schemeClr val="accent1"/>
-    </dgm:linClrLst>
-    <dgm:effectClrLst/>
-    <dgm:txLinClrLst/>
-    <dgm:txFillClrLst meth="repeat">
-      <a:schemeClr val="dk1"/>
-    </dgm:txFillClrLst>
-    <dgm:txEffectClrLst/>
-  </dgm:styleLbl>
-  <dgm:styleLbl name="solidAlignAcc1">
-    <dgm:fillClrLst meth="repeat">
-      <a:schemeClr val="lt1"/>
-    </dgm:fillClrLst>
-    <dgm:linClrLst meth="repeat">
-      <a:schemeClr val="accent1"/>
-    </dgm:linClrLst>
-    <dgm:effectClrLst/>
-    <dgm:txLinClrLst/>
-    <dgm:txFillClrLst meth="repeat">
-      <a:schemeClr val="dk1"/>
-    </dgm:txFillClrLst>
-    <dgm:txEffectClrLst/>
-  </dgm:styleLbl>
-  <dgm:styleLbl name="solidBgAcc1">
-    <dgm:fillClrLst meth="repeat">
-      <a:schemeClr val="lt1"/>
-    </dgm:fillClrLst>
-    <dgm:linClrLst meth="repeat">
-      <a:schemeClr val="accent1"/>
-    </dgm:linClrLst>
-    <dgm:effectClrLst/>
-    <dgm:txLinClrLst/>
-    <dgm:txFillClrLst meth="repeat">
-      <a:schemeClr val="dk1"/>
-    </dgm:txFillClrLst>
-    <dgm:txEffectClrLst/>
-  </dgm:styleLbl>
-  <dgm:styleLbl name="fgAccFollowNode1">
-    <dgm:fillClrLst meth="repeat">
-      <a:schemeClr val="accent1">
-        <a:alpha val="90000"/>
-        <a:tint val="40000"/>
-      </a:schemeClr>
-    </dgm:fillClrLst>
-    <dgm:linClrLst meth="repeat">
-      <a:schemeClr val="accent1">
-        <a:alpha val="90000"/>
-        <a:tint val="40000"/>
-      </a:schemeClr>
-    </dgm:linClrLst>
-    <dgm:effectClrLst/>
-    <dgm:txLinClrLst/>
-    <dgm:txFillClrLst meth="repeat">
-      <a:schemeClr val="dk1"/>
-    </dgm:txFillClrLst>
-    <dgm:txEffectClrLst/>
-  </dgm:styleLbl>
-  <dgm:styleLbl name="alignAccFollowNode1">
-    <dgm:fillClrLst meth="repeat">
-      <a:schemeClr val="accent1">
-        <a:alpha val="90000"/>
-        <a:tint val="40000"/>
-      </a:schemeClr>
-    </dgm:fillClrLst>
-    <dgm:linClrLst meth="repeat">
-      <a:schemeClr val="accent1">
-        <a:alpha val="90000"/>
-        <a:tint val="40000"/>
-      </a:schemeClr>
-    </dgm:linClrLst>
-    <dgm:effectClrLst/>
-    <dgm:txLinClrLst/>
-    <dgm:txFillClrLst meth="repeat">
-      <a:schemeClr val="dk1"/>
-    </dgm:txFillClrLst>
-    <dgm:txEffectClrLst/>
-  </dgm:styleLbl>
-  <dgm:styleLbl name="bgAccFollowNode1">
-    <dgm:fillClrLst meth="repeat">
-      <a:schemeClr val="accent1">
-        <a:alpha val="90000"/>
-        <a:tint val="40000"/>
-      </a:schemeClr>
-    </dgm:fillClrLst>
-    <dgm:linClrLst meth="repeat">
-      <a:schemeClr val="accent1">
-        <a:alpha val="90000"/>
-        <a:tint val="40000"/>
-      </a:schemeClr>
-    </dgm:linClrLst>
-    <dgm:effectClrLst/>
-    <dgm:txLinClrLst/>
-    <dgm:txFillClrLst meth="repeat">
-      <a:schemeClr val="dk1"/>
-    </dgm:txFillClrLst>
-    <dgm:txEffectClrLst/>
-  </dgm:styleLbl>
-  <dgm:styleLbl name="fgAcc0">
-    <dgm:fillClrLst meth="repeat">
-      <a:schemeClr val="lt1">
-        <a:alpha val="90000"/>
-      </a:schemeClr>
-    </dgm:fillClrLst>
-    <dgm:linClrLst meth="repeat">
-      <a:schemeClr val="accent1"/>
-    </dgm:linClrLst>
-    <dgm:effectClrLst/>
-    <dgm:txLinClrLst/>
-    <dgm:txFillClrLst meth="repeat">
-      <a:schemeClr val="dk1"/>
-    </dgm:txFillClrLst>
-    <dgm:txEffectClrLst/>
-  </dgm:styleLbl>
-  <dgm:styleLbl name="fgAcc2">
-    <dgm:fillClrLst meth="repeat">
-      <a:schemeClr val="lt1">
-        <a:alpha val="90000"/>
-      </a:schemeClr>
-    </dgm:fillClrLst>
-    <dgm:linClrLst meth="repeat">
-      <a:schemeClr val="accent1"/>
-    </dgm:linClrLst>
-    <dgm:effectClrLst/>
-    <dgm:txLinClrLst/>
-    <dgm:txFillClrLst meth="repeat">
-      <a:schemeClr val="dk1"/>
-    </dgm:txFillClrLst>
-    <dgm:txEffectClrLst/>
-  </dgm:styleLbl>
-  <dgm:styleLbl name="fgAcc3">
-    <dgm:fillClrLst meth="repeat">
-      <a:schemeClr val="lt1">
-        <a:alpha val="90000"/>
-      </a:schemeClr>
-    </dgm:fillClrLst>
-    <dgm:linClrLst meth="repeat">
-      <a:schemeClr val="accent1"/>
-    </dgm:linClrLst>
-    <dgm:effectClrLst/>
-    <dgm:txLinClrLst/>
-    <dgm:txFillClrLst meth="repeat">
-      <a:schemeClr val="dk1"/>
-    </dgm:txFillClrLst>
-    <dgm:txEffectClrLst/>
-  </dgm:styleLbl>
-  <dgm:styleLbl name="fgAcc4">
-    <dgm:fillClrLst meth="repeat">
-      <a:schemeClr val="lt1">
-        <a:alpha val="90000"/>
-      </a:schemeClr>
-    </dgm:fillClrLst>
-    <dgm:linClrLst meth="repeat">
-      <a:schemeClr val="accent1"/>
-    </dgm:linClrLst>
-    <dgm:effectClrLst/>
-    <dgm:txLinClrLst/>
-    <dgm:txFillClrLst meth="repeat">
-      <a:schemeClr val="dk1"/>
-    </dgm:txFillClrLst>
-    <dgm:txEffectClrLst/>
-  </dgm:styleLbl>
-  <dgm:styleLbl name="bgShp">
-    <dgm:fillClrLst meth="repeat">
-      <a:schemeClr val="accent1">
-        <a:tint val="40000"/>
-      </a:schemeClr>
-    </dgm:fillClrLst>
-    <dgm:linClrLst meth="repeat">
-      <a:schemeClr val="accent1"/>
-    </dgm:linClrLst>
-    <dgm:effectClrLst/>
-    <dgm:txLinClrLst/>
-    <dgm:txFillClrLst meth="repeat">
-      <a:schemeClr val="dk1"/>
-    </dgm:txFillClrLst>
-    <dgm:txEffectClrLst/>
-  </dgm:styleLbl>
-  <dgm:styleLbl name="dkBgShp">
-    <dgm:fillClrLst meth="repeat">
-      <a:schemeClr val="accent1">
-        <a:shade val="80000"/>
-      </a:schemeClr>
-    </dgm:fillClrLst>
-    <dgm:linClrLst meth="repeat">
-      <a:schemeClr val="accent1"/>
-    </dgm:linClrLst>
-    <dgm:effectClrLst/>
-    <dgm:txLinClrLst/>
-    <dgm:txFillClrLst meth="repeat">
-      <a:schemeClr val="lt1"/>
-    </dgm:txFillClrLst>
-    <dgm:txEffectClrLst/>
-  </dgm:styleLbl>
-  <dgm:styleLbl name="trBgShp">
-    <dgm:fillClrLst meth="repeat">
-      <a:schemeClr val="accent1">
-        <a:tint val="50000"/>
-        <a:alpha val="40000"/>
-      </a:schemeClr>
-    </dgm:fillClrLst>
-    <dgm:linClrLst meth="repeat">
-      <a:schemeClr val="accent1"/>
-    </dgm:linClrLst>
-    <dgm:effectClrLst/>
-    <dgm:txLinClrLst/>
-    <dgm:txFillClrLst meth="repeat">
-      <a:schemeClr val="lt1"/>
-    </dgm:txFillClrLst>
-    <dgm:txEffectClrLst/>
-  </dgm:styleLbl>
-  <dgm:styleLbl name="fgShp">
-    <dgm:fillClrLst meth="repeat">
-      <a:schemeClr val="accent1">
-        <a:tint val="60000"/>
-      </a:schemeClr>
-    </dgm:fillClrLst>
-    <dgm:linClrLst meth="repeat">
-      <a:schemeClr val="lt1"/>
-    </dgm:linClrLst>
-    <dgm:effectClrLst/>
-    <dgm:txLinClrLst/>
-    <dgm:txFillClrLst meth="repeat">
-      <a:schemeClr val="dk1"/>
-    </dgm:txFillClrLst>
-    <dgm:txEffectClrLst/>
-  </dgm:styleLbl>
-  <dgm:styleLbl name="revTx">
-    <dgm:fillClrLst meth="repeat">
-      <a:schemeClr val="lt1">
-        <a:alpha val="0"/>
-      </a:schemeClr>
-    </dgm:fillClrLst>
-    <dgm:linClrLst meth="repeat">
-      <a:schemeClr val="dk1">
-        <a:alpha val="0"/>
-      </a:schemeClr>
-    </dgm:linClrLst>
-    <dgm:effectClrLst/>
-    <dgm:txLinClrLst/>
-    <dgm:txFillClrLst meth="repeat">
-      <a:schemeClr val="tx1"/>
-    </dgm:txFillClrLst>
-    <dgm:txEffectClrLst/>
-  </dgm:styleLbl>
-</dgm:colorsDef>
-</file>
-
 <file path=ppt/diagrams/data1.xml><?xml version="1.0" encoding="utf-8"?>
-<dgm:dataModel xmlns:dgm="http://schemas.openxmlformats.org/drawingml/2006/diagram" xmlns:a="http://schemas.openxmlformats.org/drawingml/2006/main">
-  <dgm:ptLst>
-    <dgm:pt modelId="{0EB6BE91-E96C-4587-B286-5EF2C7262826}" type="doc">
-      <dgm:prSet loTypeId="urn:microsoft.com/office/officeart/2005/8/layout/chevron1" loCatId="process" qsTypeId="urn:microsoft.com/office/officeart/2005/8/quickstyle/simple1" qsCatId="simple" csTypeId="urn:microsoft.com/office/officeart/2005/8/colors/accent1_2" csCatId="accent1" phldr="1"/>
-      <dgm:spPr/>
-    </dgm:pt>
-    <dgm:pt modelId="{FF8ADAA4-FAFF-4095-AF09-16995FC20993}">
-      <dgm:prSet phldrT="[Text]"/>
-      <dgm:spPr/>
-      <dgm:t>
-        <a:bodyPr/>
-        <a:lstStyle/>
-        <a:p>
-          <a:r>
-            <a:rPr lang="de-DE" smtClean="0"/>
-            <a:t>Development</a:t>
-          </a:r>
-          <a:endParaRPr lang="en-US"/>
-        </a:p>
-      </dgm:t>
-    </dgm:pt>
-    <dgm:pt modelId="{1A273BF8-4C09-4D0B-AA7C-98C7B5C24182}" type="parTrans" cxnId="{C978F6E0-33DC-4BF5-B0FA-738B3B674938}">
-      <dgm:prSet/>
-      <dgm:spPr/>
-      <dgm:t>
-        <a:bodyPr/>
-        <a:lstStyle/>
-        <a:p>
-          <a:endParaRPr lang="en-US"/>
-        </a:p>
-      </dgm:t>
-    </dgm:pt>
-    <dgm:pt modelId="{ABBA3832-E26D-4EE6-861B-1A3D690B764A}" type="sibTrans" cxnId="{C978F6E0-33DC-4BF5-B0FA-738B3B674938}">
-      <dgm:prSet/>
-      <dgm:spPr/>
-      <dgm:t>
-        <a:bodyPr/>
-        <a:lstStyle/>
-        <a:p>
-          <a:endParaRPr lang="en-US"/>
-        </a:p>
-      </dgm:t>
-    </dgm:pt>
-    <dgm:pt modelId="{09F6A35B-5D5C-4AEE-B2DF-B5B910646C5D}">
-      <dgm:prSet phldrT="[Text]"/>
-      <dgm:spPr/>
-      <dgm:t>
-        <a:bodyPr/>
-        <a:lstStyle/>
-        <a:p>
-          <a:r>
-            <a:rPr lang="de-DE" smtClean="0"/>
-            <a:t>Testing</a:t>
-          </a:r>
-          <a:endParaRPr lang="en-US"/>
-        </a:p>
-      </dgm:t>
-    </dgm:pt>
-    <dgm:pt modelId="{A4135FA8-EB46-4822-9E73-F70DD89BD922}" type="parTrans" cxnId="{7A5B3EA0-554E-4790-8F68-8B6183D8A9D1}">
-      <dgm:prSet/>
-      <dgm:spPr/>
-      <dgm:t>
-        <a:bodyPr/>
-        <a:lstStyle/>
-        <a:p>
-          <a:endParaRPr lang="en-US"/>
-        </a:p>
-      </dgm:t>
-    </dgm:pt>
-    <dgm:pt modelId="{A9D07AFB-BB37-435B-A8DC-79DB8CBDEAC4}" type="sibTrans" cxnId="{7A5B3EA0-554E-4790-8F68-8B6183D8A9D1}">
-      <dgm:prSet/>
-      <dgm:spPr/>
-      <dgm:t>
-        <a:bodyPr/>
-        <a:lstStyle/>
-        <a:p>
-          <a:endParaRPr lang="en-US"/>
-        </a:p>
-      </dgm:t>
-    </dgm:pt>
-    <dgm:pt modelId="{A5B2C75E-273A-4404-BE80-6201C68C9EDB}">
-      <dgm:prSet phldrT="[Text]"/>
-      <dgm:spPr/>
-      <dgm:t>
-        <a:bodyPr/>
-        <a:lstStyle/>
-        <a:p>
-          <a:r>
-            <a:rPr lang="de-DE" smtClean="0"/>
-            <a:t>Building</a:t>
-          </a:r>
-          <a:endParaRPr lang="en-US"/>
-        </a:p>
-      </dgm:t>
-    </dgm:pt>
-    <dgm:pt modelId="{9C1B37AE-8899-425A-9733-080D2E6FF2E6}" type="parTrans" cxnId="{581E5E19-74DD-4BD4-9E91-C936A92B7D07}">
-      <dgm:prSet/>
-      <dgm:spPr/>
-      <dgm:t>
-        <a:bodyPr/>
-        <a:lstStyle/>
-        <a:p>
-          <a:endParaRPr lang="en-US"/>
-        </a:p>
-      </dgm:t>
-    </dgm:pt>
-    <dgm:pt modelId="{0478BD90-2D3C-4CB6-B8EC-15F6D84F2E91}" type="sibTrans" cxnId="{581E5E19-74DD-4BD4-9E91-C936A92B7D07}">
-      <dgm:prSet/>
-      <dgm:spPr/>
-      <dgm:t>
-        <a:bodyPr/>
-        <a:lstStyle/>
-        <a:p>
-          <a:endParaRPr lang="en-US"/>
-        </a:p>
-      </dgm:t>
-    </dgm:pt>
-    <dgm:pt modelId="{EEC9F6EC-8789-4FD2-AFDB-B5D63A1CC8D1}">
-      <dgm:prSet phldrT="[Text]"/>
-      <dgm:spPr/>
-      <dgm:t>
-        <a:bodyPr/>
-        <a:lstStyle/>
-        <a:p>
-          <a:r>
-            <a:rPr lang="de-DE" smtClean="0"/>
-            <a:t>Deployment</a:t>
-          </a:r>
-          <a:endParaRPr lang="en-US"/>
-        </a:p>
-      </dgm:t>
-    </dgm:pt>
-    <dgm:pt modelId="{79854CB4-F935-4D6E-B728-486399EE6BDB}" type="parTrans" cxnId="{54F6DCAE-619D-42BE-B359-6891D91846B4}">
-      <dgm:prSet/>
-      <dgm:spPr/>
-      <dgm:t>
-        <a:bodyPr/>
-        <a:lstStyle/>
-        <a:p>
-          <a:endParaRPr lang="en-US"/>
-        </a:p>
-      </dgm:t>
-    </dgm:pt>
-    <dgm:pt modelId="{20B5F3EB-8661-4D60-93D7-73B5B19D977C}" type="sibTrans" cxnId="{54F6DCAE-619D-42BE-B359-6891D91846B4}">
-      <dgm:prSet/>
-      <dgm:spPr/>
-      <dgm:t>
-        <a:bodyPr/>
-        <a:lstStyle/>
-        <a:p>
-          <a:endParaRPr lang="en-US"/>
-        </a:p>
-      </dgm:t>
-    </dgm:pt>
-    <dgm:pt modelId="{40F79579-AB6F-4F17-958C-F0D3416B4228}" type="pres">
-      <dgm:prSet presAssocID="{0EB6BE91-E96C-4587-B286-5EF2C7262826}" presName="Name0" presStyleCnt="0">
-        <dgm:presLayoutVars>
-          <dgm:dir/>
-          <dgm:animLvl val="lvl"/>
-          <dgm:resizeHandles val="exact"/>
-        </dgm:presLayoutVars>
-      </dgm:prSet>
-      <dgm:spPr/>
-    </dgm:pt>
-    <dgm:pt modelId="{2B535912-FFB7-4908-8C3B-3E30209641D3}" type="pres">
-      <dgm:prSet presAssocID="{FF8ADAA4-FAFF-4095-AF09-16995FC20993}" presName="parTxOnly" presStyleLbl="node1" presStyleIdx="0" presStyleCnt="4">
-        <dgm:presLayoutVars>
-          <dgm:chMax val="0"/>
-          <dgm:chPref val="0"/>
-          <dgm:bulletEnabled val="1"/>
-        </dgm:presLayoutVars>
-      </dgm:prSet>
-      <dgm:spPr/>
-      <dgm:t>
-        <a:bodyPr/>
-        <a:lstStyle/>
-        <a:p>
-          <a:endParaRPr lang="en-US"/>
-        </a:p>
-      </dgm:t>
-    </dgm:pt>
-    <dgm:pt modelId="{C73F4BF3-7799-44F7-8781-176942C4589B}" type="pres">
-      <dgm:prSet presAssocID="{ABBA3832-E26D-4EE6-861B-1A3D690B764A}" presName="parTxOnlySpace" presStyleCnt="0"/>
-      <dgm:spPr/>
-    </dgm:pt>
-    <dgm:pt modelId="{1A0BED00-428A-4143-A6E6-7058B43EE6E3}" type="pres">
-      <dgm:prSet presAssocID="{09F6A35B-5D5C-4AEE-B2DF-B5B910646C5D}" presName="parTxOnly" presStyleLbl="node1" presStyleIdx="1" presStyleCnt="4">
-        <dgm:presLayoutVars>
-          <dgm:chMax val="0"/>
-          <dgm:chPref val="0"/>
-          <dgm:bulletEnabled val="1"/>
-        </dgm:presLayoutVars>
-      </dgm:prSet>
-      <dgm:spPr/>
-      <dgm:t>
-        <a:bodyPr/>
-        <a:lstStyle/>
-        <a:p>
-          <a:endParaRPr lang="en-US"/>
-        </a:p>
-      </dgm:t>
-    </dgm:pt>
-    <dgm:pt modelId="{9BFF179C-5738-4598-8B83-B87080C5F443}" type="pres">
-      <dgm:prSet presAssocID="{A9D07AFB-BB37-435B-A8DC-79DB8CBDEAC4}" presName="parTxOnlySpace" presStyleCnt="0"/>
-      <dgm:spPr/>
-    </dgm:pt>
-    <dgm:pt modelId="{01FCF690-3A52-4BF2-9135-B54D20ED08E1}" type="pres">
-      <dgm:prSet presAssocID="{A5B2C75E-273A-4404-BE80-6201C68C9EDB}" presName="parTxOnly" presStyleLbl="node1" presStyleIdx="2" presStyleCnt="4">
-        <dgm:presLayoutVars>
-          <dgm:chMax val="0"/>
-          <dgm:chPref val="0"/>
-          <dgm:bulletEnabled val="1"/>
-        </dgm:presLayoutVars>
-      </dgm:prSet>
-      <dgm:spPr/>
-      <dgm:t>
-        <a:bodyPr/>
-        <a:lstStyle/>
-        <a:p>
-          <a:endParaRPr lang="en-US"/>
-        </a:p>
-      </dgm:t>
-    </dgm:pt>
-    <dgm:pt modelId="{3A767838-6DEF-4E87-8881-32B6DFC6B014}" type="pres">
-      <dgm:prSet presAssocID="{0478BD90-2D3C-4CB6-B8EC-15F6D84F2E91}" presName="parTxOnlySpace" presStyleCnt="0"/>
-      <dgm:spPr/>
-    </dgm:pt>
-    <dgm:pt modelId="{4B65C82B-1FAF-4964-93C3-3E28BC03D6B9}" type="pres">
-      <dgm:prSet presAssocID="{EEC9F6EC-8789-4FD2-AFDB-B5D63A1CC8D1}" presName="parTxOnly" presStyleLbl="node1" presStyleIdx="3" presStyleCnt="4">
-        <dgm:presLayoutVars>
-          <dgm:chMax val="0"/>
-          <dgm:chPref val="0"/>
-          <dgm:bulletEnabled val="1"/>
-        </dgm:presLayoutVars>
-      </dgm:prSet>
-      <dgm:spPr/>
-      <dgm:t>
-        <a:bodyPr/>
-        <a:lstStyle/>
-        <a:p>
-          <a:endParaRPr lang="en-US"/>
-        </a:p>
-      </dgm:t>
-    </dgm:pt>
-  </dgm:ptLst>
-  <dgm:cxnLst>
-    <dgm:cxn modelId="{54F6DCAE-619D-42BE-B359-6891D91846B4}" srcId="{0EB6BE91-E96C-4587-B286-5EF2C7262826}" destId="{EEC9F6EC-8789-4FD2-AFDB-B5D63A1CC8D1}" srcOrd="3" destOrd="0" parTransId="{79854CB4-F935-4D6E-B728-486399EE6BDB}" sibTransId="{20B5F3EB-8661-4D60-93D7-73B5B19D977C}"/>
-    <dgm:cxn modelId="{581E5E19-74DD-4BD4-9E91-C936A92B7D07}" srcId="{0EB6BE91-E96C-4587-B286-5EF2C7262826}" destId="{A5B2C75E-273A-4404-BE80-6201C68C9EDB}" srcOrd="2" destOrd="0" parTransId="{9C1B37AE-8899-425A-9733-080D2E6FF2E6}" sibTransId="{0478BD90-2D3C-4CB6-B8EC-15F6D84F2E91}"/>
-    <dgm:cxn modelId="{3BE53FE7-0F25-4DCE-8448-4456A1EE72AE}" type="presOf" srcId="{FF8ADAA4-FAFF-4095-AF09-16995FC20993}" destId="{2B535912-FFB7-4908-8C3B-3E30209641D3}" srcOrd="0" destOrd="0" presId="urn:microsoft.com/office/officeart/2005/8/layout/chevron1"/>
-    <dgm:cxn modelId="{C978F6E0-33DC-4BF5-B0FA-738B3B674938}" srcId="{0EB6BE91-E96C-4587-B286-5EF2C7262826}" destId="{FF8ADAA4-FAFF-4095-AF09-16995FC20993}" srcOrd="0" destOrd="0" parTransId="{1A273BF8-4C09-4D0B-AA7C-98C7B5C24182}" sibTransId="{ABBA3832-E26D-4EE6-861B-1A3D690B764A}"/>
-    <dgm:cxn modelId="{7A5B3EA0-554E-4790-8F68-8B6183D8A9D1}" srcId="{0EB6BE91-E96C-4587-B286-5EF2C7262826}" destId="{09F6A35B-5D5C-4AEE-B2DF-B5B910646C5D}" srcOrd="1" destOrd="0" parTransId="{A4135FA8-EB46-4822-9E73-F70DD89BD922}" sibTransId="{A9D07AFB-BB37-435B-A8DC-79DB8CBDEAC4}"/>
-    <dgm:cxn modelId="{D4A87F65-96A8-4081-B311-ADD8B47442A5}" type="presOf" srcId="{EEC9F6EC-8789-4FD2-AFDB-B5D63A1CC8D1}" destId="{4B65C82B-1FAF-4964-93C3-3E28BC03D6B9}" srcOrd="0" destOrd="0" presId="urn:microsoft.com/office/officeart/2005/8/layout/chevron1"/>
-    <dgm:cxn modelId="{BDDAD9A8-1F80-45D4-8205-3091CBB798C3}" type="presOf" srcId="{A5B2C75E-273A-4404-BE80-6201C68C9EDB}" destId="{01FCF690-3A52-4BF2-9135-B54D20ED08E1}" srcOrd="0" destOrd="0" presId="urn:microsoft.com/office/officeart/2005/8/layout/chevron1"/>
-    <dgm:cxn modelId="{6D1A9F16-F9C3-46C6-917C-475E16CB4855}" type="presOf" srcId="{0EB6BE91-E96C-4587-B286-5EF2C7262826}" destId="{40F79579-AB6F-4F17-958C-F0D3416B4228}" srcOrd="0" destOrd="0" presId="urn:microsoft.com/office/officeart/2005/8/layout/chevron1"/>
-    <dgm:cxn modelId="{51CE340D-0A27-4E8E-9359-822DC8F6589E}" type="presOf" srcId="{09F6A35B-5D5C-4AEE-B2DF-B5B910646C5D}" destId="{1A0BED00-428A-4143-A6E6-7058B43EE6E3}" srcOrd="0" destOrd="0" presId="urn:microsoft.com/office/officeart/2005/8/layout/chevron1"/>
-    <dgm:cxn modelId="{CE83FF0B-3CB6-4C04-ABC3-300F70100ABD}" type="presParOf" srcId="{40F79579-AB6F-4F17-958C-F0D3416B4228}" destId="{2B535912-FFB7-4908-8C3B-3E30209641D3}" srcOrd="0" destOrd="0" presId="urn:microsoft.com/office/officeart/2005/8/layout/chevron1"/>
-    <dgm:cxn modelId="{02F3A0C8-0464-47F2-A767-250489696C05}" type="presParOf" srcId="{40F79579-AB6F-4F17-958C-F0D3416B4228}" destId="{C73F4BF3-7799-44F7-8781-176942C4589B}" srcOrd="1" destOrd="0" presId="urn:microsoft.com/office/officeart/2005/8/layout/chevron1"/>
-    <dgm:cxn modelId="{537A4C85-B6AF-4E27-AE14-910BFE504F91}" type="presParOf" srcId="{40F79579-AB6F-4F17-958C-F0D3416B4228}" destId="{1A0BED00-428A-4143-A6E6-7058B43EE6E3}" srcOrd="2" destOrd="0" presId="urn:microsoft.com/office/officeart/2005/8/layout/chevron1"/>
-    <dgm:cxn modelId="{272E24C8-5AD3-4D28-BD6B-8D579C405737}" type="presParOf" srcId="{40F79579-AB6F-4F17-958C-F0D3416B4228}" destId="{9BFF179C-5738-4598-8B83-B87080C5F443}" srcOrd="3" destOrd="0" presId="urn:microsoft.com/office/officeart/2005/8/layout/chevron1"/>
-    <dgm:cxn modelId="{C044A728-76A2-41A4-9416-3D5D97D84CDA}" type="presParOf" srcId="{40F79579-AB6F-4F17-958C-F0D3416B4228}" destId="{01FCF690-3A52-4BF2-9135-B54D20ED08E1}" srcOrd="4" destOrd="0" presId="urn:microsoft.com/office/officeart/2005/8/layout/chevron1"/>
-    <dgm:cxn modelId="{A360CBD9-4FA4-46A2-9532-8D1C3CFCBA80}" type="presParOf" srcId="{40F79579-AB6F-4F17-958C-F0D3416B4228}" destId="{3A767838-6DEF-4E87-8881-32B6DFC6B014}" srcOrd="5" destOrd="0" presId="urn:microsoft.com/office/officeart/2005/8/layout/chevron1"/>
-    <dgm:cxn modelId="{B1587A3D-64CA-4267-9333-6D00C022DDB9}" type="presParOf" srcId="{40F79579-AB6F-4F17-958C-F0D3416B4228}" destId="{4B65C82B-1FAF-4964-93C3-3E28BC03D6B9}" srcOrd="6" destOrd="0" presId="urn:microsoft.com/office/officeart/2005/8/layout/chevron1"/>
-  </dgm:cxnLst>
-  <dgm:bg/>
-  <dgm:whole/>
-  <dgm:extLst>
-    <a:ext uri="http://schemas.microsoft.com/office/drawing/2008/diagram">
-      <dsp:dataModelExt xmlns:dsp="http://schemas.microsoft.com/office/drawing/2008/diagram" relId="rId6" minVer="http://schemas.openxmlformats.org/drawingml/2006/diagram"/>
-    </a:ext>
-  </dgm:extLst>
-</dgm:dataModel>
-</file>
-
-<file path=ppt/diagrams/data2.xml><?xml version="1.0" encoding="utf-8"?>
 <dgm:dataModel xmlns:dgm="http://schemas.openxmlformats.org/drawingml/2006/diagram" xmlns:a="http://schemas.openxmlformats.org/drawingml/2006/main">
   <dgm:ptLst>
     <dgm:pt modelId="{0EB6BE91-E96C-4587-B286-5EF2C7262826}" type="doc">
@@ -2151,326 +1129,6 @@
 </file>
 
 <file path=ppt/diagrams/drawing1.xml><?xml version="1.0" encoding="utf-8"?>
-<dsp:drawing xmlns:dgm="http://schemas.openxmlformats.org/drawingml/2006/diagram" xmlns:dsp="http://schemas.microsoft.com/office/drawing/2008/diagram" xmlns:a="http://schemas.openxmlformats.org/drawingml/2006/main">
-  <dsp:spTree>
-    <dsp:nvGrpSpPr>
-      <dsp:cNvPr id="0" name=""/>
-      <dsp:cNvGrpSpPr/>
-    </dsp:nvGrpSpPr>
-    <dsp:grpSpPr/>
-    <dsp:sp modelId="{2B535912-FFB7-4908-8C3B-3E30209641D3}">
-      <dsp:nvSpPr>
-        <dsp:cNvPr id="0" name=""/>
-        <dsp:cNvSpPr/>
-      </dsp:nvSpPr>
-      <dsp:spPr>
-        <a:xfrm>
-          <a:off x="2626" y="0"/>
-          <a:ext cx="1529188" cy="288000"/>
-        </a:xfrm>
-        <a:prstGeom prst="chevron">
-          <a:avLst/>
-        </a:prstGeom>
-        <a:solidFill>
-          <a:schemeClr val="accent1">
-            <a:hueOff val="0"/>
-            <a:satOff val="0"/>
-            <a:lumOff val="0"/>
-            <a:alphaOff val="0"/>
-          </a:schemeClr>
-        </a:solidFill>
-        <a:ln w="25400" cap="flat" cmpd="sng" algn="ctr">
-          <a:solidFill>
-            <a:schemeClr val="lt1">
-              <a:hueOff val="0"/>
-              <a:satOff val="0"/>
-              <a:lumOff val="0"/>
-              <a:alphaOff val="0"/>
-            </a:schemeClr>
-          </a:solidFill>
-          <a:prstDash val="solid"/>
-        </a:ln>
-        <a:effectLst/>
-      </dsp:spPr>
-      <dsp:style>
-        <a:lnRef idx="2">
-          <a:scrgbClr r="0" g="0" b="0"/>
-        </a:lnRef>
-        <a:fillRef idx="1">
-          <a:scrgbClr r="0" g="0" b="0"/>
-        </a:fillRef>
-        <a:effectRef idx="0">
-          <a:scrgbClr r="0" g="0" b="0"/>
-        </a:effectRef>
-        <a:fontRef idx="minor">
-          <a:schemeClr val="lt1"/>
-        </a:fontRef>
-      </dsp:style>
-      <dsp:txBody>
-        <a:bodyPr spcFirstLastPara="0" vert="horz" wrap="square" lIns="64008" tIns="21336" rIns="21336" bIns="21336" numCol="1" spcCol="1270" anchor="ctr" anchorCtr="0">
-          <a:noAutofit/>
-        </a:bodyPr>
-        <a:lstStyle/>
-        <a:p>
-          <a:pPr lvl="0" algn="ctr" defTabSz="711200">
-            <a:lnSpc>
-              <a:spcPct val="90000"/>
-            </a:lnSpc>
-            <a:spcBef>
-              <a:spcPct val="0"/>
-            </a:spcBef>
-            <a:spcAft>
-              <a:spcPct val="35000"/>
-            </a:spcAft>
-          </a:pPr>
-          <a:r>
-            <a:rPr lang="de-DE" sz="1600" kern="1200" smtClean="0"/>
-            <a:t>Development</a:t>
-          </a:r>
-          <a:endParaRPr lang="en-US" sz="1600" kern="1200"/>
-        </a:p>
-      </dsp:txBody>
-      <dsp:txXfrm>
-        <a:off x="146626" y="0"/>
-        <a:ext cx="1241188" cy="288000"/>
-      </dsp:txXfrm>
-    </dsp:sp>
-    <dsp:sp modelId="{1A0BED00-428A-4143-A6E6-7058B43EE6E3}">
-      <dsp:nvSpPr>
-        <dsp:cNvPr id="0" name=""/>
-        <dsp:cNvSpPr/>
-      </dsp:nvSpPr>
-      <dsp:spPr>
-        <a:xfrm>
-          <a:off x="1378896" y="0"/>
-          <a:ext cx="1529188" cy="288000"/>
-        </a:xfrm>
-        <a:prstGeom prst="chevron">
-          <a:avLst/>
-        </a:prstGeom>
-        <a:solidFill>
-          <a:schemeClr val="accent1">
-            <a:hueOff val="0"/>
-            <a:satOff val="0"/>
-            <a:lumOff val="0"/>
-            <a:alphaOff val="0"/>
-          </a:schemeClr>
-        </a:solidFill>
-        <a:ln w="25400" cap="flat" cmpd="sng" algn="ctr">
-          <a:solidFill>
-            <a:schemeClr val="lt1">
-              <a:hueOff val="0"/>
-              <a:satOff val="0"/>
-              <a:lumOff val="0"/>
-              <a:alphaOff val="0"/>
-            </a:schemeClr>
-          </a:solidFill>
-          <a:prstDash val="solid"/>
-        </a:ln>
-        <a:effectLst/>
-      </dsp:spPr>
-      <dsp:style>
-        <a:lnRef idx="2">
-          <a:scrgbClr r="0" g="0" b="0"/>
-        </a:lnRef>
-        <a:fillRef idx="1">
-          <a:scrgbClr r="0" g="0" b="0"/>
-        </a:fillRef>
-        <a:effectRef idx="0">
-          <a:scrgbClr r="0" g="0" b="0"/>
-        </a:effectRef>
-        <a:fontRef idx="minor">
-          <a:schemeClr val="lt1"/>
-        </a:fontRef>
-      </dsp:style>
-      <dsp:txBody>
-        <a:bodyPr spcFirstLastPara="0" vert="horz" wrap="square" lIns="64008" tIns="21336" rIns="21336" bIns="21336" numCol="1" spcCol="1270" anchor="ctr" anchorCtr="0">
-          <a:noAutofit/>
-        </a:bodyPr>
-        <a:lstStyle/>
-        <a:p>
-          <a:pPr lvl="0" algn="ctr" defTabSz="711200">
-            <a:lnSpc>
-              <a:spcPct val="90000"/>
-            </a:lnSpc>
-            <a:spcBef>
-              <a:spcPct val="0"/>
-            </a:spcBef>
-            <a:spcAft>
-              <a:spcPct val="35000"/>
-            </a:spcAft>
-          </a:pPr>
-          <a:r>
-            <a:rPr lang="de-DE" sz="1600" kern="1200" smtClean="0"/>
-            <a:t>Testing</a:t>
-          </a:r>
-          <a:endParaRPr lang="en-US" sz="1600" kern="1200"/>
-        </a:p>
-      </dsp:txBody>
-      <dsp:txXfrm>
-        <a:off x="1522896" y="0"/>
-        <a:ext cx="1241188" cy="288000"/>
-      </dsp:txXfrm>
-    </dsp:sp>
-    <dsp:sp modelId="{01FCF690-3A52-4BF2-9135-B54D20ED08E1}">
-      <dsp:nvSpPr>
-        <dsp:cNvPr id="0" name=""/>
-        <dsp:cNvSpPr/>
-      </dsp:nvSpPr>
-      <dsp:spPr>
-        <a:xfrm>
-          <a:off x="2755166" y="0"/>
-          <a:ext cx="1529188" cy="288000"/>
-        </a:xfrm>
-        <a:prstGeom prst="chevron">
-          <a:avLst/>
-        </a:prstGeom>
-        <a:solidFill>
-          <a:schemeClr val="accent1">
-            <a:hueOff val="0"/>
-            <a:satOff val="0"/>
-            <a:lumOff val="0"/>
-            <a:alphaOff val="0"/>
-          </a:schemeClr>
-        </a:solidFill>
-        <a:ln w="25400" cap="flat" cmpd="sng" algn="ctr">
-          <a:solidFill>
-            <a:schemeClr val="lt1">
-              <a:hueOff val="0"/>
-              <a:satOff val="0"/>
-              <a:lumOff val="0"/>
-              <a:alphaOff val="0"/>
-            </a:schemeClr>
-          </a:solidFill>
-          <a:prstDash val="solid"/>
-        </a:ln>
-        <a:effectLst/>
-      </dsp:spPr>
-      <dsp:style>
-        <a:lnRef idx="2">
-          <a:scrgbClr r="0" g="0" b="0"/>
-        </a:lnRef>
-        <a:fillRef idx="1">
-          <a:scrgbClr r="0" g="0" b="0"/>
-        </a:fillRef>
-        <a:effectRef idx="0">
-          <a:scrgbClr r="0" g="0" b="0"/>
-        </a:effectRef>
-        <a:fontRef idx="minor">
-          <a:schemeClr val="lt1"/>
-        </a:fontRef>
-      </dsp:style>
-      <dsp:txBody>
-        <a:bodyPr spcFirstLastPara="0" vert="horz" wrap="square" lIns="64008" tIns="21336" rIns="21336" bIns="21336" numCol="1" spcCol="1270" anchor="ctr" anchorCtr="0">
-          <a:noAutofit/>
-        </a:bodyPr>
-        <a:lstStyle/>
-        <a:p>
-          <a:pPr lvl="0" algn="ctr" defTabSz="711200">
-            <a:lnSpc>
-              <a:spcPct val="90000"/>
-            </a:lnSpc>
-            <a:spcBef>
-              <a:spcPct val="0"/>
-            </a:spcBef>
-            <a:spcAft>
-              <a:spcPct val="35000"/>
-            </a:spcAft>
-          </a:pPr>
-          <a:r>
-            <a:rPr lang="de-DE" sz="1600" kern="1200" smtClean="0"/>
-            <a:t>Building</a:t>
-          </a:r>
-          <a:endParaRPr lang="en-US" sz="1600" kern="1200"/>
-        </a:p>
-      </dsp:txBody>
-      <dsp:txXfrm>
-        <a:off x="2899166" y="0"/>
-        <a:ext cx="1241188" cy="288000"/>
-      </dsp:txXfrm>
-    </dsp:sp>
-    <dsp:sp modelId="{4B65C82B-1FAF-4964-93C3-3E28BC03D6B9}">
-      <dsp:nvSpPr>
-        <dsp:cNvPr id="0" name=""/>
-        <dsp:cNvSpPr/>
-      </dsp:nvSpPr>
-      <dsp:spPr>
-        <a:xfrm>
-          <a:off x="4131436" y="0"/>
-          <a:ext cx="1529188" cy="288000"/>
-        </a:xfrm>
-        <a:prstGeom prst="chevron">
-          <a:avLst/>
-        </a:prstGeom>
-        <a:solidFill>
-          <a:schemeClr val="accent1">
-            <a:hueOff val="0"/>
-            <a:satOff val="0"/>
-            <a:lumOff val="0"/>
-            <a:alphaOff val="0"/>
-          </a:schemeClr>
-        </a:solidFill>
-        <a:ln w="25400" cap="flat" cmpd="sng" algn="ctr">
-          <a:solidFill>
-            <a:schemeClr val="lt1">
-              <a:hueOff val="0"/>
-              <a:satOff val="0"/>
-              <a:lumOff val="0"/>
-              <a:alphaOff val="0"/>
-            </a:schemeClr>
-          </a:solidFill>
-          <a:prstDash val="solid"/>
-        </a:ln>
-        <a:effectLst/>
-      </dsp:spPr>
-      <dsp:style>
-        <a:lnRef idx="2">
-          <a:scrgbClr r="0" g="0" b="0"/>
-        </a:lnRef>
-        <a:fillRef idx="1">
-          <a:scrgbClr r="0" g="0" b="0"/>
-        </a:fillRef>
-        <a:effectRef idx="0">
-          <a:scrgbClr r="0" g="0" b="0"/>
-        </a:effectRef>
-        <a:fontRef idx="minor">
-          <a:schemeClr val="lt1"/>
-        </a:fontRef>
-      </dsp:style>
-      <dsp:txBody>
-        <a:bodyPr spcFirstLastPara="0" vert="horz" wrap="square" lIns="64008" tIns="21336" rIns="21336" bIns="21336" numCol="1" spcCol="1270" anchor="ctr" anchorCtr="0">
-          <a:noAutofit/>
-        </a:bodyPr>
-        <a:lstStyle/>
-        <a:p>
-          <a:pPr lvl="0" algn="ctr" defTabSz="711200">
-            <a:lnSpc>
-              <a:spcPct val="90000"/>
-            </a:lnSpc>
-            <a:spcBef>
-              <a:spcPct val="0"/>
-            </a:spcBef>
-            <a:spcAft>
-              <a:spcPct val="35000"/>
-            </a:spcAft>
-          </a:pPr>
-          <a:r>
-            <a:rPr lang="de-DE" sz="1600" kern="1200" smtClean="0"/>
-            <a:t>Deployment</a:t>
-          </a:r>
-          <a:endParaRPr lang="en-US" sz="1600" kern="1200"/>
-        </a:p>
-      </dsp:txBody>
-      <dsp:txXfrm>
-        <a:off x="4275436" y="0"/>
-        <a:ext cx="1241188" cy="288000"/>
-      </dsp:txXfrm>
-    </dsp:sp>
-  </dsp:spTree>
-</dsp:drawing>
-</file>
-
-<file path=ppt/diagrams/drawing2.xml><?xml version="1.0" encoding="utf-8"?>
 <dsp:drawing xmlns:dgm="http://schemas.openxmlformats.org/drawingml/2006/diagram" xmlns:dsp="http://schemas.microsoft.com/office/drawing/2008/diagram" xmlns:a="http://schemas.openxmlformats.org/drawingml/2006/main">
   <dsp:spTree>
     <dsp:nvGrpSpPr>
@@ -3073,1324 +1731,7 @@
 </dgm:layoutDef>
 </file>
 
-<file path=ppt/diagrams/layout2.xml><?xml version="1.0" encoding="utf-8"?>
-<dgm:layoutDef xmlns:dgm="http://schemas.openxmlformats.org/drawingml/2006/diagram" xmlns:a="http://schemas.openxmlformats.org/drawingml/2006/main" uniqueId="urn:microsoft.com/office/officeart/2005/8/layout/chevron1">
-  <dgm:title val=""/>
-  <dgm:desc val=""/>
-  <dgm:catLst>
-    <dgm:cat type="process" pri="9000"/>
-  </dgm:catLst>
-  <dgm:sampData useDef="1">
-    <dgm:dataModel>
-      <dgm:ptLst/>
-      <dgm:bg/>
-      <dgm:whole/>
-    </dgm:dataModel>
-  </dgm:sampData>
-  <dgm:styleData>
-    <dgm:dataModel>
-      <dgm:ptLst>
-        <dgm:pt modelId="0" type="doc"/>
-        <dgm:pt modelId="1"/>
-        <dgm:pt modelId="2"/>
-      </dgm:ptLst>
-      <dgm:cxnLst>
-        <dgm:cxn modelId="3" srcId="0" destId="1" srcOrd="0" destOrd="0"/>
-        <dgm:cxn modelId="4" srcId="0" destId="2" srcOrd="1" destOrd="0"/>
-      </dgm:cxnLst>
-      <dgm:bg/>
-      <dgm:whole/>
-    </dgm:dataModel>
-  </dgm:styleData>
-  <dgm:clrData>
-    <dgm:dataModel>
-      <dgm:ptLst>
-        <dgm:pt modelId="0" type="doc"/>
-        <dgm:pt modelId="1"/>
-        <dgm:pt modelId="2"/>
-        <dgm:pt modelId="3"/>
-        <dgm:pt modelId="4"/>
-      </dgm:ptLst>
-      <dgm:cxnLst>
-        <dgm:cxn modelId="5" srcId="0" destId="1" srcOrd="0" destOrd="0"/>
-        <dgm:cxn modelId="6" srcId="0" destId="2" srcOrd="1" destOrd="0"/>
-        <dgm:cxn modelId="7" srcId="0" destId="3" srcOrd="2" destOrd="0"/>
-        <dgm:cxn modelId="8" srcId="0" destId="4" srcOrd="3" destOrd="0"/>
-      </dgm:cxnLst>
-      <dgm:bg/>
-      <dgm:whole/>
-    </dgm:dataModel>
-  </dgm:clrData>
-  <dgm:layoutNode name="Name0">
-    <dgm:varLst>
-      <dgm:dir/>
-      <dgm:animLvl val="lvl"/>
-      <dgm:resizeHandles val="exact"/>
-    </dgm:varLst>
-    <dgm:choose name="Name1">
-      <dgm:if name="Name2" func="var" arg="dir" op="equ" val="norm">
-        <dgm:alg type="lin"/>
-      </dgm:if>
-      <dgm:else name="Name3">
-        <dgm:alg type="lin">
-          <dgm:param type="linDir" val="fromR"/>
-        </dgm:alg>
-      </dgm:else>
-    </dgm:choose>
-    <dgm:shape xmlns:r="http://schemas.openxmlformats.org/officeDocument/2006/relationships" r:blip="">
-      <dgm:adjLst/>
-    </dgm:shape>
-    <dgm:presOf/>
-    <dgm:choose name="Name4">
-      <dgm:if name="Name5" axis="des" func="maxDepth" op="gte" val="2">
-        <dgm:constrLst>
-          <dgm:constr type="h" for="ch" forName="composite" refType="h"/>
-          <dgm:constr type="w" for="ch" forName="composite" refType="w"/>
-          <dgm:constr type="w" for="des" forName="parTx"/>
-          <dgm:constr type="h" for="des" forName="parTx" op="equ"/>
-          <dgm:constr type="w" for="des" forName="desTx"/>
-          <dgm:constr type="h" for="des" forName="desTx" op="equ"/>
-          <dgm:constr type="primFontSz" for="des" forName="parTx" val="65"/>
-          <dgm:constr type="secFontSz" for="des" forName="desTx" refType="primFontSz" refFor="des" refForName="parTx" op="equ"/>
-          <dgm:constr type="h" for="des" forName="parTx" refType="primFontSz" refFor="des" refForName="parTx" fact="1.5"/>
-          <dgm:constr type="h" for="des" forName="desTx" refType="primFontSz" refFor="des" refForName="parTx" fact="0.5"/>
-          <dgm:constr type="w" for="ch" forName="space" op="equ" val="-6"/>
-        </dgm:constrLst>
-        <dgm:ruleLst>
-          <dgm:rule type="w" for="ch" forName="composite" val="0" fact="NaN" max="NaN"/>
-          <dgm:rule type="primFontSz" for="des" forName="parTx" val="5" fact="NaN" max="NaN"/>
-        </dgm:ruleLst>
-        <dgm:forEach name="Name6" axis="ch" ptType="node">
-          <dgm:layoutNode name="composite">
-            <dgm:alg type="composite"/>
-            <dgm:shape xmlns:r="http://schemas.openxmlformats.org/officeDocument/2006/relationships" r:blip="">
-              <dgm:adjLst/>
-            </dgm:shape>
-            <dgm:presOf/>
-            <dgm:choose name="Name7">
-              <dgm:if name="Name8" func="var" arg="dir" op="equ" val="norm">
-                <dgm:constrLst>
-                  <dgm:constr type="l" for="ch" forName="parTx"/>
-                  <dgm:constr type="w" for="ch" forName="parTx" refType="w"/>
-                  <dgm:constr type="t" for="ch" forName="parTx"/>
-                  <dgm:constr type="l" for="ch" forName="desTx"/>
-                  <dgm:constr type="w" for="ch" forName="desTx" refType="w" refFor="ch" refForName="parTx" fact="0.8"/>
-                  <dgm:constr type="t" for="ch" forName="desTx" refType="h" refFor="ch" refForName="parTx" fact="1.125"/>
-                </dgm:constrLst>
-              </dgm:if>
-              <dgm:else name="Name9">
-                <dgm:constrLst>
-                  <dgm:constr type="l" for="ch" forName="parTx"/>
-                  <dgm:constr type="w" for="ch" forName="parTx" refType="w"/>
-                  <dgm:constr type="t" for="ch" forName="parTx"/>
-                  <dgm:constr type="l" for="ch" forName="desTx" refType="w" fact="0.2"/>
-                  <dgm:constr type="w" for="ch" forName="desTx" refType="w" refFor="ch" refForName="parTx" fact="0.8"/>
-                  <dgm:constr type="t" for="ch" forName="desTx" refType="h" refFor="ch" refForName="parTx" fact="1.125"/>
-                </dgm:constrLst>
-              </dgm:else>
-            </dgm:choose>
-            <dgm:ruleLst>
-              <dgm:rule type="h" val="INF" fact="NaN" max="NaN"/>
-            </dgm:ruleLst>
-            <dgm:layoutNode name="parTx">
-              <dgm:varLst>
-                <dgm:chMax val="0"/>
-                <dgm:chPref val="0"/>
-                <dgm:bulletEnabled val="1"/>
-              </dgm:varLst>
-              <dgm:alg type="tx"/>
-              <dgm:choose name="Name10">
-                <dgm:if name="Name11" func="var" arg="dir" op="equ" val="norm">
-                  <dgm:shape xmlns:r="http://schemas.openxmlformats.org/officeDocument/2006/relationships" type="chevron" r:blip="">
-                    <dgm:adjLst/>
-                  </dgm:shape>
-                </dgm:if>
-                <dgm:else name="Name12">
-                  <dgm:shape xmlns:r="http://schemas.openxmlformats.org/officeDocument/2006/relationships" rot="180" type="chevron" r:blip="">
-                    <dgm:adjLst/>
-                  </dgm:shape>
-                </dgm:else>
-              </dgm:choose>
-              <dgm:presOf axis="self" ptType="node"/>
-              <dgm:choose name="Name13">
-                <dgm:if name="Name14" func="var" arg="dir" op="equ" val="norm">
-                  <dgm:constrLst>
-                    <dgm:constr type="h" refType="w" op="lte" fact="0.4"/>
-                    <dgm:constr type="h"/>
-                    <dgm:constr type="tMarg" refType="primFontSz" fact="0.105"/>
-                    <dgm:constr type="bMarg" refType="primFontSz" fact="0.105"/>
-                    <dgm:constr type="lMarg" refType="primFontSz" fact="0.315"/>
-                    <dgm:constr type="rMarg" refType="primFontSz" fact="0.105"/>
-                  </dgm:constrLst>
-                </dgm:if>
-                <dgm:else name="Name15">
-                  <dgm:constrLst>
-                    <dgm:constr type="h" refType="w" op="lte" fact="0.4"/>
-                    <dgm:constr type="h"/>
-                    <dgm:constr type="tMarg" refType="primFontSz" fact="0.105"/>
-                    <dgm:constr type="bMarg" refType="primFontSz" fact="0.105"/>
-                    <dgm:constr type="lMarg" refType="primFontSz" fact="0.105"/>
-                    <dgm:constr type="rMarg" refType="primFontSz" fact="0.315"/>
-                  </dgm:constrLst>
-                </dgm:else>
-              </dgm:choose>
-              <dgm:ruleLst>
-                <dgm:rule type="h" val="INF" fact="NaN" max="NaN"/>
-              </dgm:ruleLst>
-            </dgm:layoutNode>
-            <dgm:layoutNode name="desTx" styleLbl="revTx">
-              <dgm:varLst>
-                <dgm:bulletEnabled val="1"/>
-              </dgm:varLst>
-              <dgm:alg type="tx">
-                <dgm:param type="stBulletLvl" val="1"/>
-              </dgm:alg>
-              <dgm:choose name="Name16">
-                <dgm:if name="Name17" axis="ch" ptType="node" func="cnt" op="gte" val="1">
-                  <dgm:shape xmlns:r="http://schemas.openxmlformats.org/officeDocument/2006/relationships" type="rect" r:blip="">
-                    <dgm:adjLst/>
-                  </dgm:shape>
-                </dgm:if>
-                <dgm:else name="Name18">
-                  <dgm:shape xmlns:r="http://schemas.openxmlformats.org/officeDocument/2006/relationships" type="rect" r:blip="" hideGeom="1">
-                    <dgm:adjLst/>
-                  </dgm:shape>
-                </dgm:else>
-              </dgm:choose>
-              <dgm:presOf axis="des" ptType="node"/>
-              <dgm:constrLst>
-                <dgm:constr type="secFontSz" val="65"/>
-                <dgm:constr type="primFontSz" refType="secFontSz"/>
-                <dgm:constr type="h"/>
-                <dgm:constr type="tMarg"/>
-                <dgm:constr type="bMarg"/>
-                <dgm:constr type="rMarg"/>
-                <dgm:constr type="lMarg"/>
-              </dgm:constrLst>
-              <dgm:ruleLst>
-                <dgm:rule type="h" val="INF" fact="NaN" max="NaN"/>
-              </dgm:ruleLst>
-            </dgm:layoutNode>
-          </dgm:layoutNode>
-          <dgm:forEach name="Name19" axis="followSib" ptType="sibTrans" cnt="1">
-            <dgm:layoutNode name="space">
-              <dgm:alg type="sp"/>
-              <dgm:shape xmlns:r="http://schemas.openxmlformats.org/officeDocument/2006/relationships" r:blip="">
-                <dgm:adjLst/>
-              </dgm:shape>
-              <dgm:presOf/>
-              <dgm:constrLst/>
-              <dgm:ruleLst/>
-            </dgm:layoutNode>
-          </dgm:forEach>
-        </dgm:forEach>
-      </dgm:if>
-      <dgm:else name="Name20">
-        <dgm:constrLst>
-          <dgm:constr type="w" for="ch" forName="parTxOnly" refType="w"/>
-          <dgm:constr type="h" for="des" forName="parTxOnly" op="equ"/>
-          <dgm:constr type="primFontSz" for="des" forName="parTxOnly" op="equ" val="65"/>
-          <dgm:constr type="w" for="ch" forName="parTxOnlySpace" refType="w" refFor="ch" refForName="parTxOnly" fact="-0.1"/>
-        </dgm:constrLst>
-        <dgm:ruleLst/>
-        <dgm:forEach name="Name21" axis="ch" ptType="node">
-          <dgm:layoutNode name="parTxOnly">
-            <dgm:varLst>
-              <dgm:chMax val="0"/>
-              <dgm:chPref val="0"/>
-              <dgm:bulletEnabled val="1"/>
-            </dgm:varLst>
-            <dgm:alg type="tx"/>
-            <dgm:choose name="Name22">
-              <dgm:if name="Name23" func="var" arg="dir" op="equ" val="norm">
-                <dgm:shape xmlns:r="http://schemas.openxmlformats.org/officeDocument/2006/relationships" type="chevron" r:blip="">
-                  <dgm:adjLst/>
-                </dgm:shape>
-              </dgm:if>
-              <dgm:else name="Name24">
-                <dgm:shape xmlns:r="http://schemas.openxmlformats.org/officeDocument/2006/relationships" rot="180" type="chevron" r:blip="">
-                  <dgm:adjLst/>
-                </dgm:shape>
-              </dgm:else>
-            </dgm:choose>
-            <dgm:presOf axis="self" ptType="node"/>
-            <dgm:choose name="Name25">
-              <dgm:if name="Name26" func="var" arg="dir" op="equ" val="norm">
-                <dgm:constrLst>
-                  <dgm:constr type="h" refType="w" op="equ" fact="0.4"/>
-                  <dgm:constr type="tMarg" refType="primFontSz" fact="0.105"/>
-                  <dgm:constr type="bMarg" refType="primFontSz" fact="0.105"/>
-                  <dgm:constr type="lMarg" refType="primFontSz" fact="0.315"/>
-                  <dgm:constr type="rMarg" refType="primFontSz" fact="0.105"/>
-                </dgm:constrLst>
-              </dgm:if>
-              <dgm:else name="Name27">
-                <dgm:constrLst>
-                  <dgm:constr type="h" refType="w" op="equ" fact="0.4"/>
-                  <dgm:constr type="tMarg" refType="primFontSz" fact="0.105"/>
-                  <dgm:constr type="bMarg" refType="primFontSz" fact="0.105"/>
-                  <dgm:constr type="lMarg" refType="primFontSz" fact="0.105"/>
-                  <dgm:constr type="rMarg" refType="primFontSz" fact="0.315"/>
-                </dgm:constrLst>
-              </dgm:else>
-            </dgm:choose>
-            <dgm:ruleLst>
-              <dgm:rule type="primFontSz" val="5" fact="NaN" max="NaN"/>
-            </dgm:ruleLst>
-          </dgm:layoutNode>
-          <dgm:forEach name="Name28" axis="followSib" ptType="sibTrans" cnt="1">
-            <dgm:layoutNode name="parTxOnlySpace">
-              <dgm:alg type="sp"/>
-              <dgm:shape xmlns:r="http://schemas.openxmlformats.org/officeDocument/2006/relationships" r:blip="">
-                <dgm:adjLst/>
-              </dgm:shape>
-              <dgm:presOf/>
-              <dgm:constrLst/>
-              <dgm:ruleLst/>
-            </dgm:layoutNode>
-          </dgm:forEach>
-        </dgm:forEach>
-      </dgm:else>
-    </dgm:choose>
-  </dgm:layoutNode>
-</dgm:layoutDef>
-</file>
-
 <file path=ppt/diagrams/quickStyle1.xml><?xml version="1.0" encoding="utf-8"?>
-<dgm:styleDef xmlns:dgm="http://schemas.openxmlformats.org/drawingml/2006/diagram" xmlns:a="http://schemas.openxmlformats.org/drawingml/2006/main" uniqueId="urn:microsoft.com/office/officeart/2005/8/quickstyle/simple1">
-  <dgm:title val=""/>
-  <dgm:desc val=""/>
-  <dgm:catLst>
-    <dgm:cat type="simple" pri="10100"/>
-  </dgm:catLst>
-  <dgm:scene3d>
-    <a:camera prst="orthographicFront"/>
-    <a:lightRig rig="threePt" dir="t"/>
-  </dgm:scene3d>
-  <dgm:styleLbl name="node0">
-    <dgm:scene3d>
-      <a:camera prst="orthographicFront"/>
-      <a:lightRig rig="threePt" dir="t"/>
-    </dgm:scene3d>
-    <dgm:sp3d/>
-    <dgm:txPr/>
-    <dgm:style>
-      <a:lnRef idx="2">
-        <a:scrgbClr r="0" g="0" b="0"/>
-      </a:lnRef>
-      <a:fillRef idx="1">
-        <a:scrgbClr r="0" g="0" b="0"/>
-      </a:fillRef>
-      <a:effectRef idx="0">
-        <a:scrgbClr r="0" g="0" b="0"/>
-      </a:effectRef>
-      <a:fontRef idx="minor">
-        <a:schemeClr val="lt1"/>
-      </a:fontRef>
-    </dgm:style>
-  </dgm:styleLbl>
-  <dgm:styleLbl name="lnNode1">
-    <dgm:scene3d>
-      <a:camera prst="orthographicFront"/>
-      <a:lightRig rig="threePt" dir="t"/>
-    </dgm:scene3d>
-    <dgm:sp3d/>
-    <dgm:txPr/>
-    <dgm:style>
-      <a:lnRef idx="2">
-        <a:scrgbClr r="0" g="0" b="0"/>
-      </a:lnRef>
-      <a:fillRef idx="1">
-        <a:scrgbClr r="0" g="0" b="0"/>
-      </a:fillRef>
-      <a:effectRef idx="0">
-        <a:scrgbClr r="0" g="0" b="0"/>
-      </a:effectRef>
-      <a:fontRef idx="minor">
-        <a:schemeClr val="lt1"/>
-      </a:fontRef>
-    </dgm:style>
-  </dgm:styleLbl>
-  <dgm:styleLbl name="vennNode1">
-    <dgm:scene3d>
-      <a:camera prst="orthographicFront"/>
-      <a:lightRig rig="threePt" dir="t"/>
-    </dgm:scene3d>
-    <dgm:sp3d/>
-    <dgm:txPr/>
-    <dgm:style>
-      <a:lnRef idx="2">
-        <a:scrgbClr r="0" g="0" b="0"/>
-      </a:lnRef>
-      <a:fillRef idx="1">
-        <a:scrgbClr r="0" g="0" b="0"/>
-      </a:fillRef>
-      <a:effectRef idx="0">
-        <a:scrgbClr r="0" g="0" b="0"/>
-      </a:effectRef>
-      <a:fontRef idx="minor">
-        <a:schemeClr val="tx1"/>
-      </a:fontRef>
-    </dgm:style>
-  </dgm:styleLbl>
-  <dgm:styleLbl name="alignNode1">
-    <dgm:scene3d>
-      <a:camera prst="orthographicFront"/>
-      <a:lightRig rig="threePt" dir="t"/>
-    </dgm:scene3d>
-    <dgm:sp3d/>
-    <dgm:txPr/>
-    <dgm:style>
-      <a:lnRef idx="2">
-        <a:scrgbClr r="0" g="0" b="0"/>
-      </a:lnRef>
-      <a:fillRef idx="1">
-        <a:scrgbClr r="0" g="0" b="0"/>
-      </a:fillRef>
-      <a:effectRef idx="0">
-        <a:scrgbClr r="0" g="0" b="0"/>
-      </a:effectRef>
-      <a:fontRef idx="minor">
-        <a:schemeClr val="lt1"/>
-      </a:fontRef>
-    </dgm:style>
-  </dgm:styleLbl>
-  <dgm:styleLbl name="node1">
-    <dgm:scene3d>
-      <a:camera prst="orthographicFront"/>
-      <a:lightRig rig="threePt" dir="t"/>
-    </dgm:scene3d>
-    <dgm:sp3d/>
-    <dgm:txPr/>
-    <dgm:style>
-      <a:lnRef idx="2">
-        <a:scrgbClr r="0" g="0" b="0"/>
-      </a:lnRef>
-      <a:fillRef idx="1">
-        <a:scrgbClr r="0" g="0" b="0"/>
-      </a:fillRef>
-      <a:effectRef idx="0">
-        <a:scrgbClr r="0" g="0" b="0"/>
-      </a:effectRef>
-      <a:fontRef idx="minor">
-        <a:schemeClr val="lt1"/>
-      </a:fontRef>
-    </dgm:style>
-  </dgm:styleLbl>
-  <dgm:styleLbl name="node2">
-    <dgm:scene3d>
-      <a:camera prst="orthographicFront"/>
-      <a:lightRig rig="threePt" dir="t"/>
-    </dgm:scene3d>
-    <dgm:sp3d/>
-    <dgm:txPr/>
-    <dgm:style>
-      <a:lnRef idx="2">
-        <a:scrgbClr r="0" g="0" b="0"/>
-      </a:lnRef>
-      <a:fillRef idx="1">
-        <a:scrgbClr r="0" g="0" b="0"/>
-      </a:fillRef>
-      <a:effectRef idx="0">
-        <a:scrgbClr r="0" g="0" b="0"/>
-      </a:effectRef>
-      <a:fontRef idx="minor">
-        <a:schemeClr val="lt1"/>
-      </a:fontRef>
-    </dgm:style>
-  </dgm:styleLbl>
-  <dgm:styleLbl name="node3">
-    <dgm:scene3d>
-      <a:camera prst="orthographicFront"/>
-      <a:lightRig rig="threePt" dir="t"/>
-    </dgm:scene3d>
-    <dgm:sp3d/>
-    <dgm:txPr/>
-    <dgm:style>
-      <a:lnRef idx="2">
-        <a:scrgbClr r="0" g="0" b="0"/>
-      </a:lnRef>
-      <a:fillRef idx="1">
-        <a:scrgbClr r="0" g="0" b="0"/>
-      </a:fillRef>
-      <a:effectRef idx="0">
-        <a:scrgbClr r="0" g="0" b="0"/>
-      </a:effectRef>
-      <a:fontRef idx="minor">
-        <a:schemeClr val="lt1"/>
-      </a:fontRef>
-    </dgm:style>
-  </dgm:styleLbl>
-  <dgm:styleLbl name="node4">
-    <dgm:scene3d>
-      <a:camera prst="orthographicFront"/>
-      <a:lightRig rig="threePt" dir="t"/>
-    </dgm:scene3d>
-    <dgm:sp3d/>
-    <dgm:txPr/>
-    <dgm:style>
-      <a:lnRef idx="2">
-        <a:scrgbClr r="0" g="0" b="0"/>
-      </a:lnRef>
-      <a:fillRef idx="1">
-        <a:scrgbClr r="0" g="0" b="0"/>
-      </a:fillRef>
-      <a:effectRef idx="0">
-        <a:scrgbClr r="0" g="0" b="0"/>
-      </a:effectRef>
-      <a:fontRef idx="minor">
-        <a:schemeClr val="lt1"/>
-      </a:fontRef>
-    </dgm:style>
-  </dgm:styleLbl>
-  <dgm:styleLbl name="fgImgPlace1">
-    <dgm:scene3d>
-      <a:camera prst="orthographicFront"/>
-      <a:lightRig rig="threePt" dir="t"/>
-    </dgm:scene3d>
-    <dgm:sp3d/>
-    <dgm:txPr/>
-    <dgm:style>
-      <a:lnRef idx="2">
-        <a:scrgbClr r="0" g="0" b="0"/>
-      </a:lnRef>
-      <a:fillRef idx="1">
-        <a:scrgbClr r="0" g="0" b="0"/>
-      </a:fillRef>
-      <a:effectRef idx="0">
-        <a:scrgbClr r="0" g="0" b="0"/>
-      </a:effectRef>
-      <a:fontRef idx="minor"/>
-    </dgm:style>
-  </dgm:styleLbl>
-  <dgm:styleLbl name="alignImgPlace1">
-    <dgm:scene3d>
-      <a:camera prst="orthographicFront"/>
-      <a:lightRig rig="threePt" dir="t"/>
-    </dgm:scene3d>
-    <dgm:sp3d/>
-    <dgm:txPr/>
-    <dgm:style>
-      <a:lnRef idx="2">
-        <a:scrgbClr r="0" g="0" b="0"/>
-      </a:lnRef>
-      <a:fillRef idx="1">
-        <a:scrgbClr r="0" g="0" b="0"/>
-      </a:fillRef>
-      <a:effectRef idx="0">
-        <a:scrgbClr r="0" g="0" b="0"/>
-      </a:effectRef>
-      <a:fontRef idx="minor"/>
-    </dgm:style>
-  </dgm:styleLbl>
-  <dgm:styleLbl name="bgImgPlace1">
-    <dgm:scene3d>
-      <a:camera prst="orthographicFront"/>
-      <a:lightRig rig="threePt" dir="t"/>
-    </dgm:scene3d>
-    <dgm:sp3d/>
-    <dgm:txPr/>
-    <dgm:style>
-      <a:lnRef idx="2">
-        <a:scrgbClr r="0" g="0" b="0"/>
-      </a:lnRef>
-      <a:fillRef idx="1">
-        <a:scrgbClr r="0" g="0" b="0"/>
-      </a:fillRef>
-      <a:effectRef idx="0">
-        <a:scrgbClr r="0" g="0" b="0"/>
-      </a:effectRef>
-      <a:fontRef idx="minor"/>
-    </dgm:style>
-  </dgm:styleLbl>
-  <dgm:styleLbl name="sibTrans2D1">
-    <dgm:scene3d>
-      <a:camera prst="orthographicFront"/>
-      <a:lightRig rig="threePt" dir="t"/>
-    </dgm:scene3d>
-    <dgm:sp3d/>
-    <dgm:txPr/>
-    <dgm:style>
-      <a:lnRef idx="0">
-        <a:scrgbClr r="0" g="0" b="0"/>
-      </a:lnRef>
-      <a:fillRef idx="1">
-        <a:scrgbClr r="0" g="0" b="0"/>
-      </a:fillRef>
-      <a:effectRef idx="0">
-        <a:scrgbClr r="0" g="0" b="0"/>
-      </a:effectRef>
-      <a:fontRef idx="minor">
-        <a:schemeClr val="lt1"/>
-      </a:fontRef>
-    </dgm:style>
-  </dgm:styleLbl>
-  <dgm:styleLbl name="fgSibTrans2D1">
-    <dgm:scene3d>
-      <a:camera prst="orthographicFront"/>
-      <a:lightRig rig="threePt" dir="t"/>
-    </dgm:scene3d>
-    <dgm:sp3d/>
-    <dgm:txPr/>
-    <dgm:style>
-      <a:lnRef idx="0">
-        <a:scrgbClr r="0" g="0" b="0"/>
-      </a:lnRef>
-      <a:fillRef idx="1">
-        <a:scrgbClr r="0" g="0" b="0"/>
-      </a:fillRef>
-      <a:effectRef idx="0">
-        <a:scrgbClr r="0" g="0" b="0"/>
-      </a:effectRef>
-      <a:fontRef idx="minor">
-        <a:schemeClr val="lt1"/>
-      </a:fontRef>
-    </dgm:style>
-  </dgm:styleLbl>
-  <dgm:styleLbl name="bgSibTrans2D1">
-    <dgm:scene3d>
-      <a:camera prst="orthographicFront"/>
-      <a:lightRig rig="threePt" dir="t"/>
-    </dgm:scene3d>
-    <dgm:sp3d/>
-    <dgm:txPr/>
-    <dgm:style>
-      <a:lnRef idx="0">
-        <a:scrgbClr r="0" g="0" b="0"/>
-      </a:lnRef>
-      <a:fillRef idx="1">
-        <a:scrgbClr r="0" g="0" b="0"/>
-      </a:fillRef>
-      <a:effectRef idx="0">
-        <a:scrgbClr r="0" g="0" b="0"/>
-      </a:effectRef>
-      <a:fontRef idx="minor">
-        <a:schemeClr val="lt1"/>
-      </a:fontRef>
-    </dgm:style>
-  </dgm:styleLbl>
-  <dgm:styleLbl name="sibTrans1D1">
-    <dgm:scene3d>
-      <a:camera prst="orthographicFront"/>
-      <a:lightRig rig="threePt" dir="t"/>
-    </dgm:scene3d>
-    <dgm:sp3d/>
-    <dgm:txPr/>
-    <dgm:style>
-      <a:lnRef idx="1">
-        <a:scrgbClr r="0" g="0" b="0"/>
-      </a:lnRef>
-      <a:fillRef idx="0">
-        <a:scrgbClr r="0" g="0" b="0"/>
-      </a:fillRef>
-      <a:effectRef idx="0">
-        <a:scrgbClr r="0" g="0" b="0"/>
-      </a:effectRef>
-      <a:fontRef idx="minor"/>
-    </dgm:style>
-  </dgm:styleLbl>
-  <dgm:styleLbl name="callout">
-    <dgm:scene3d>
-      <a:camera prst="orthographicFront"/>
-      <a:lightRig rig="threePt" dir="t"/>
-    </dgm:scene3d>
-    <dgm:sp3d/>
-    <dgm:txPr/>
-    <dgm:style>
-      <a:lnRef idx="2">
-        <a:scrgbClr r="0" g="0" b="0"/>
-      </a:lnRef>
-      <a:fillRef idx="1">
-        <a:scrgbClr r="0" g="0" b="0"/>
-      </a:fillRef>
-      <a:effectRef idx="0">
-        <a:scrgbClr r="0" g="0" b="0"/>
-      </a:effectRef>
-      <a:fontRef idx="minor"/>
-    </dgm:style>
-  </dgm:styleLbl>
-  <dgm:styleLbl name="asst0">
-    <dgm:scene3d>
-      <a:camera prst="orthographicFront"/>
-      <a:lightRig rig="threePt" dir="t"/>
-    </dgm:scene3d>
-    <dgm:sp3d/>
-    <dgm:txPr/>
-    <dgm:style>
-      <a:lnRef idx="2">
-        <a:scrgbClr r="0" g="0" b="0"/>
-      </a:lnRef>
-      <a:fillRef idx="1">
-        <a:scrgbClr r="0" g="0" b="0"/>
-      </a:fillRef>
-      <a:effectRef idx="0">
-        <a:scrgbClr r="0" g="0" b="0"/>
-      </a:effectRef>
-      <a:fontRef idx="minor">
-        <a:schemeClr val="lt1"/>
-      </a:fontRef>
-    </dgm:style>
-  </dgm:styleLbl>
-  <dgm:styleLbl name="asst1">
-    <dgm:scene3d>
-      <a:camera prst="orthographicFront"/>
-      <a:lightRig rig="threePt" dir="t"/>
-    </dgm:scene3d>
-    <dgm:sp3d/>
-    <dgm:txPr/>
-    <dgm:style>
-      <a:lnRef idx="2">
-        <a:scrgbClr r="0" g="0" b="0"/>
-      </a:lnRef>
-      <a:fillRef idx="1">
-        <a:scrgbClr r="0" g="0" b="0"/>
-      </a:fillRef>
-      <a:effectRef idx="0">
-        <a:scrgbClr r="0" g="0" b="0"/>
-      </a:effectRef>
-      <a:fontRef idx="minor">
-        <a:schemeClr val="lt1"/>
-      </a:fontRef>
-    </dgm:style>
-  </dgm:styleLbl>
-  <dgm:styleLbl name="asst2">
-    <dgm:scene3d>
-      <a:camera prst="orthographicFront"/>
-      <a:lightRig rig="threePt" dir="t"/>
-    </dgm:scene3d>
-    <dgm:sp3d/>
-    <dgm:txPr/>
-    <dgm:style>
-      <a:lnRef idx="2">
-        <a:scrgbClr r="0" g="0" b="0"/>
-      </a:lnRef>
-      <a:fillRef idx="1">
-        <a:scrgbClr r="0" g="0" b="0"/>
-      </a:fillRef>
-      <a:effectRef idx="0">
-        <a:scrgbClr r="0" g="0" b="0"/>
-      </a:effectRef>
-      <a:fontRef idx="minor">
-        <a:schemeClr val="lt1"/>
-      </a:fontRef>
-    </dgm:style>
-  </dgm:styleLbl>
-  <dgm:styleLbl name="asst3">
-    <dgm:scene3d>
-      <a:camera prst="orthographicFront"/>
-      <a:lightRig rig="threePt" dir="t"/>
-    </dgm:scene3d>
-    <dgm:sp3d/>
-    <dgm:txPr/>
-    <dgm:style>
-      <a:lnRef idx="2">
-        <a:scrgbClr r="0" g="0" b="0"/>
-      </a:lnRef>
-      <a:fillRef idx="1">
-        <a:scrgbClr r="0" g="0" b="0"/>
-      </a:fillRef>
-      <a:effectRef idx="0">
-        <a:scrgbClr r="0" g="0" b="0"/>
-      </a:effectRef>
-      <a:fontRef idx="minor">
-        <a:schemeClr val="lt1"/>
-      </a:fontRef>
-    </dgm:style>
-  </dgm:styleLbl>
-  <dgm:styleLbl name="asst4">
-    <dgm:scene3d>
-      <a:camera prst="orthographicFront"/>
-      <a:lightRig rig="threePt" dir="t"/>
-    </dgm:scene3d>
-    <dgm:sp3d/>
-    <dgm:txPr/>
-    <dgm:style>
-      <a:lnRef idx="2">
-        <a:scrgbClr r="0" g="0" b="0"/>
-      </a:lnRef>
-      <a:fillRef idx="1">
-        <a:scrgbClr r="0" g="0" b="0"/>
-      </a:fillRef>
-      <a:effectRef idx="0">
-        <a:scrgbClr r="0" g="0" b="0"/>
-      </a:effectRef>
-      <a:fontRef idx="minor">
-        <a:schemeClr val="lt1"/>
-      </a:fontRef>
-    </dgm:style>
-  </dgm:styleLbl>
-  <dgm:styleLbl name="parChTrans2D1">
-    <dgm:scene3d>
-      <a:camera prst="orthographicFront"/>
-      <a:lightRig rig="threePt" dir="t"/>
-    </dgm:scene3d>
-    <dgm:sp3d/>
-    <dgm:txPr/>
-    <dgm:style>
-      <a:lnRef idx="2">
-        <a:scrgbClr r="0" g="0" b="0"/>
-      </a:lnRef>
-      <a:fillRef idx="1">
-        <a:scrgbClr r="0" g="0" b="0"/>
-      </a:fillRef>
-      <a:effectRef idx="0">
-        <a:scrgbClr r="0" g="0" b="0"/>
-      </a:effectRef>
-      <a:fontRef idx="minor">
-        <a:schemeClr val="lt1"/>
-      </a:fontRef>
-    </dgm:style>
-  </dgm:styleLbl>
-  <dgm:styleLbl name="parChTrans2D2">
-    <dgm:scene3d>
-      <a:camera prst="orthographicFront"/>
-      <a:lightRig rig="threePt" dir="t"/>
-    </dgm:scene3d>
-    <dgm:sp3d/>
-    <dgm:txPr/>
-    <dgm:style>
-      <a:lnRef idx="2">
-        <a:scrgbClr r="0" g="0" b="0"/>
-      </a:lnRef>
-      <a:fillRef idx="1">
-        <a:scrgbClr r="0" g="0" b="0"/>
-      </a:fillRef>
-      <a:effectRef idx="0">
-        <a:scrgbClr r="0" g="0" b="0"/>
-      </a:effectRef>
-      <a:fontRef idx="minor">
-        <a:schemeClr val="lt1"/>
-      </a:fontRef>
-    </dgm:style>
-  </dgm:styleLbl>
-  <dgm:styleLbl name="parChTrans2D3">
-    <dgm:scene3d>
-      <a:camera prst="orthographicFront"/>
-      <a:lightRig rig="threePt" dir="t"/>
-    </dgm:scene3d>
-    <dgm:sp3d/>
-    <dgm:txPr/>
-    <dgm:style>
-      <a:lnRef idx="2">
-        <a:scrgbClr r="0" g="0" b="0"/>
-      </a:lnRef>
-      <a:fillRef idx="1">
-        <a:scrgbClr r="0" g="0" b="0"/>
-      </a:fillRef>
-      <a:effectRef idx="0">
-        <a:scrgbClr r="0" g="0" b="0"/>
-      </a:effectRef>
-      <a:fontRef idx="minor">
-        <a:schemeClr val="lt1"/>
-      </a:fontRef>
-    </dgm:style>
-  </dgm:styleLbl>
-  <dgm:styleLbl name="parChTrans2D4">
-    <dgm:scene3d>
-      <a:camera prst="orthographicFront"/>
-      <a:lightRig rig="threePt" dir="t"/>
-    </dgm:scene3d>
-    <dgm:sp3d/>
-    <dgm:txPr/>
-    <dgm:style>
-      <a:lnRef idx="2">
-        <a:scrgbClr r="0" g="0" b="0"/>
-      </a:lnRef>
-      <a:fillRef idx="1">
-        <a:scrgbClr r="0" g="0" b="0"/>
-      </a:fillRef>
-      <a:effectRef idx="0">
-        <a:scrgbClr r="0" g="0" b="0"/>
-      </a:effectRef>
-      <a:fontRef idx="minor">
-        <a:schemeClr val="lt1"/>
-      </a:fontRef>
-    </dgm:style>
-  </dgm:styleLbl>
-  <dgm:styleLbl name="parChTrans1D1">
-    <dgm:scene3d>
-      <a:camera prst="orthographicFront"/>
-      <a:lightRig rig="threePt" dir="t"/>
-    </dgm:scene3d>
-    <dgm:sp3d/>
-    <dgm:txPr/>
-    <dgm:style>
-      <a:lnRef idx="2">
-        <a:scrgbClr r="0" g="0" b="0"/>
-      </a:lnRef>
-      <a:fillRef idx="0">
-        <a:scrgbClr r="0" g="0" b="0"/>
-      </a:fillRef>
-      <a:effectRef idx="0">
-        <a:scrgbClr r="0" g="0" b="0"/>
-      </a:effectRef>
-      <a:fontRef idx="minor"/>
-    </dgm:style>
-  </dgm:styleLbl>
-  <dgm:styleLbl name="parChTrans1D2">
-    <dgm:scene3d>
-      <a:camera prst="orthographicFront"/>
-      <a:lightRig rig="threePt" dir="t"/>
-    </dgm:scene3d>
-    <dgm:sp3d/>
-    <dgm:txPr/>
-    <dgm:style>
-      <a:lnRef idx="2">
-        <a:scrgbClr r="0" g="0" b="0"/>
-      </a:lnRef>
-      <a:fillRef idx="0">
-        <a:scrgbClr r="0" g="0" b="0"/>
-      </a:fillRef>
-      <a:effectRef idx="0">
-        <a:scrgbClr r="0" g="0" b="0"/>
-      </a:effectRef>
-      <a:fontRef idx="minor"/>
-    </dgm:style>
-  </dgm:styleLbl>
-  <dgm:styleLbl name="parChTrans1D3">
-    <dgm:scene3d>
-      <a:camera prst="orthographicFront"/>
-      <a:lightRig rig="threePt" dir="t"/>
-    </dgm:scene3d>
-    <dgm:sp3d/>
-    <dgm:txPr/>
-    <dgm:style>
-      <a:lnRef idx="2">
-        <a:scrgbClr r="0" g="0" b="0"/>
-      </a:lnRef>
-      <a:fillRef idx="0">
-        <a:scrgbClr r="0" g="0" b="0"/>
-      </a:fillRef>
-      <a:effectRef idx="0">
-        <a:scrgbClr r="0" g="0" b="0"/>
-      </a:effectRef>
-      <a:fontRef idx="minor"/>
-    </dgm:style>
-  </dgm:styleLbl>
-  <dgm:styleLbl name="parChTrans1D4">
-    <dgm:scene3d>
-      <a:camera prst="orthographicFront"/>
-      <a:lightRig rig="threePt" dir="t"/>
-    </dgm:scene3d>
-    <dgm:sp3d/>
-    <dgm:txPr/>
-    <dgm:style>
-      <a:lnRef idx="2">
-        <a:scrgbClr r="0" g="0" b="0"/>
-      </a:lnRef>
-      <a:fillRef idx="0">
-        <a:scrgbClr r="0" g="0" b="0"/>
-      </a:fillRef>
-      <a:effectRef idx="0">
-        <a:scrgbClr r="0" g="0" b="0"/>
-      </a:effectRef>
-      <a:fontRef idx="minor"/>
-    </dgm:style>
-  </dgm:styleLbl>
-  <dgm:styleLbl name="fgAcc1">
-    <dgm:scene3d>
-      <a:camera prst="orthographicFront"/>
-      <a:lightRig rig="threePt" dir="t"/>
-    </dgm:scene3d>
-    <dgm:sp3d/>
-    <dgm:txPr/>
-    <dgm:style>
-      <a:lnRef idx="2">
-        <a:scrgbClr r="0" g="0" b="0"/>
-      </a:lnRef>
-      <a:fillRef idx="1">
-        <a:scrgbClr r="0" g="0" b="0"/>
-      </a:fillRef>
-      <a:effectRef idx="0">
-        <a:scrgbClr r="0" g="0" b="0"/>
-      </a:effectRef>
-      <a:fontRef idx="minor"/>
-    </dgm:style>
-  </dgm:styleLbl>
-  <dgm:styleLbl name="conFgAcc1">
-    <dgm:scene3d>
-      <a:camera prst="orthographicFront"/>
-      <a:lightRig rig="threePt" dir="t"/>
-    </dgm:scene3d>
-    <dgm:sp3d/>
-    <dgm:txPr/>
-    <dgm:style>
-      <a:lnRef idx="2">
-        <a:scrgbClr r="0" g="0" b="0"/>
-      </a:lnRef>
-      <a:fillRef idx="1">
-        <a:scrgbClr r="0" g="0" b="0"/>
-      </a:fillRef>
-      <a:effectRef idx="0">
-        <a:scrgbClr r="0" g="0" b="0"/>
-      </a:effectRef>
-      <a:fontRef idx="minor"/>
-    </dgm:style>
-  </dgm:styleLbl>
-  <dgm:styleLbl name="alignAcc1">
-    <dgm:scene3d>
-      <a:camera prst="orthographicFront"/>
-      <a:lightRig rig="threePt" dir="t"/>
-    </dgm:scene3d>
-    <dgm:sp3d/>
-    <dgm:txPr/>
-    <dgm:style>
-      <a:lnRef idx="2">
-        <a:scrgbClr r="0" g="0" b="0"/>
-      </a:lnRef>
-      <a:fillRef idx="1">
-        <a:scrgbClr r="0" g="0" b="0"/>
-      </a:fillRef>
-      <a:effectRef idx="0">
-        <a:scrgbClr r="0" g="0" b="0"/>
-      </a:effectRef>
-      <a:fontRef idx="minor"/>
-    </dgm:style>
-  </dgm:styleLbl>
-  <dgm:styleLbl name="trAlignAcc1">
-    <dgm:scene3d>
-      <a:camera prst="orthographicFront"/>
-      <a:lightRig rig="threePt" dir="t"/>
-    </dgm:scene3d>
-    <dgm:sp3d/>
-    <dgm:txPr/>
-    <dgm:style>
-      <a:lnRef idx="1">
-        <a:scrgbClr r="0" g="0" b="0"/>
-      </a:lnRef>
-      <a:fillRef idx="1">
-        <a:scrgbClr r="0" g="0" b="0"/>
-      </a:fillRef>
-      <a:effectRef idx="0">
-        <a:scrgbClr r="0" g="0" b="0"/>
-      </a:effectRef>
-      <a:fontRef idx="minor"/>
-    </dgm:style>
-  </dgm:styleLbl>
-  <dgm:styleLbl name="bgAcc1">
-    <dgm:scene3d>
-      <a:camera prst="orthographicFront"/>
-      <a:lightRig rig="threePt" dir="t"/>
-    </dgm:scene3d>
-    <dgm:sp3d/>
-    <dgm:txPr/>
-    <dgm:style>
-      <a:lnRef idx="2">
-        <a:scrgbClr r="0" g="0" b="0"/>
-      </a:lnRef>
-      <a:fillRef idx="1">
-        <a:scrgbClr r="0" g="0" b="0"/>
-      </a:fillRef>
-      <a:effectRef idx="0">
-        <a:scrgbClr r="0" g="0" b="0"/>
-      </a:effectRef>
-      <a:fontRef idx="minor"/>
-    </dgm:style>
-  </dgm:styleLbl>
-  <dgm:styleLbl name="solidFgAcc1">
-    <dgm:scene3d>
-      <a:camera prst="orthographicFront"/>
-      <a:lightRig rig="threePt" dir="t"/>
-    </dgm:scene3d>
-    <dgm:sp3d/>
-    <dgm:txPr/>
-    <dgm:style>
-      <a:lnRef idx="2">
-        <a:scrgbClr r="0" g="0" b="0"/>
-      </a:lnRef>
-      <a:fillRef idx="1">
-        <a:scrgbClr r="0" g="0" b="0"/>
-      </a:fillRef>
-      <a:effectRef idx="0">
-        <a:scrgbClr r="0" g="0" b="0"/>
-      </a:effectRef>
-      <a:fontRef idx="minor"/>
-    </dgm:style>
-  </dgm:styleLbl>
-  <dgm:styleLbl name="solidAlignAcc1">
-    <dgm:scene3d>
-      <a:camera prst="orthographicFront"/>
-      <a:lightRig rig="threePt" dir="t"/>
-    </dgm:scene3d>
-    <dgm:sp3d/>
-    <dgm:txPr/>
-    <dgm:style>
-      <a:lnRef idx="2">
-        <a:scrgbClr r="0" g="0" b="0"/>
-      </a:lnRef>
-      <a:fillRef idx="1">
-        <a:scrgbClr r="0" g="0" b="0"/>
-      </a:fillRef>
-      <a:effectRef idx="0">
-        <a:scrgbClr r="0" g="0" b="0"/>
-      </a:effectRef>
-      <a:fontRef idx="minor"/>
-    </dgm:style>
-  </dgm:styleLbl>
-  <dgm:styleLbl name="solidBgAcc1">
-    <dgm:scene3d>
-      <a:camera prst="orthographicFront"/>
-      <a:lightRig rig="threePt" dir="t"/>
-    </dgm:scene3d>
-    <dgm:sp3d/>
-    <dgm:txPr/>
-    <dgm:style>
-      <a:lnRef idx="2">
-        <a:scrgbClr r="0" g="0" b="0"/>
-      </a:lnRef>
-      <a:fillRef idx="1">
-        <a:scrgbClr r="0" g="0" b="0"/>
-      </a:fillRef>
-      <a:effectRef idx="0">
-        <a:scrgbClr r="0" g="0" b="0"/>
-      </a:effectRef>
-      <a:fontRef idx="minor"/>
-    </dgm:style>
-  </dgm:styleLbl>
-  <dgm:styleLbl name="fgAccFollowNode1">
-    <dgm:scene3d>
-      <a:camera prst="orthographicFront"/>
-      <a:lightRig rig="threePt" dir="t"/>
-    </dgm:scene3d>
-    <dgm:sp3d/>
-    <dgm:txPr/>
-    <dgm:style>
-      <a:lnRef idx="2">
-        <a:scrgbClr r="0" g="0" b="0"/>
-      </a:lnRef>
-      <a:fillRef idx="1">
-        <a:scrgbClr r="0" g="0" b="0"/>
-      </a:fillRef>
-      <a:effectRef idx="0">
-        <a:scrgbClr r="0" g="0" b="0"/>
-      </a:effectRef>
-      <a:fontRef idx="minor"/>
-    </dgm:style>
-  </dgm:styleLbl>
-  <dgm:styleLbl name="alignAccFollowNode1">
-    <dgm:scene3d>
-      <a:camera prst="orthographicFront"/>
-      <a:lightRig rig="threePt" dir="t"/>
-    </dgm:scene3d>
-    <dgm:sp3d/>
-    <dgm:txPr/>
-    <dgm:style>
-      <a:lnRef idx="2">
-        <a:scrgbClr r="0" g="0" b="0"/>
-      </a:lnRef>
-      <a:fillRef idx="1">
-        <a:scrgbClr r="0" g="0" b="0"/>
-      </a:fillRef>
-      <a:effectRef idx="0">
-        <a:scrgbClr r="0" g="0" b="0"/>
-      </a:effectRef>
-      <a:fontRef idx="minor"/>
-    </dgm:style>
-  </dgm:styleLbl>
-  <dgm:styleLbl name="bgAccFollowNode1">
-    <dgm:scene3d>
-      <a:camera prst="orthographicFront"/>
-      <a:lightRig rig="threePt" dir="t"/>
-    </dgm:scene3d>
-    <dgm:sp3d/>
-    <dgm:txPr/>
-    <dgm:style>
-      <a:lnRef idx="2">
-        <a:scrgbClr r="0" g="0" b="0"/>
-      </a:lnRef>
-      <a:fillRef idx="1">
-        <a:scrgbClr r="0" g="0" b="0"/>
-      </a:fillRef>
-      <a:effectRef idx="0">
-        <a:scrgbClr r="0" g="0" b="0"/>
-      </a:effectRef>
-      <a:fontRef idx="minor"/>
-    </dgm:style>
-  </dgm:styleLbl>
-  <dgm:styleLbl name="fgAcc0">
-    <dgm:scene3d>
-      <a:camera prst="orthographicFront"/>
-      <a:lightRig rig="threePt" dir="t"/>
-    </dgm:scene3d>
-    <dgm:sp3d/>
-    <dgm:txPr/>
-    <dgm:style>
-      <a:lnRef idx="2">
-        <a:scrgbClr r="0" g="0" b="0"/>
-      </a:lnRef>
-      <a:fillRef idx="1">
-        <a:scrgbClr r="0" g="0" b="0"/>
-      </a:fillRef>
-      <a:effectRef idx="0">
-        <a:scrgbClr r="0" g="0" b="0"/>
-      </a:effectRef>
-      <a:fontRef idx="minor"/>
-    </dgm:style>
-  </dgm:styleLbl>
-  <dgm:styleLbl name="fgAcc2">
-    <dgm:scene3d>
-      <a:camera prst="orthographicFront"/>
-      <a:lightRig rig="threePt" dir="t"/>
-    </dgm:scene3d>
-    <dgm:sp3d/>
-    <dgm:txPr/>
-    <dgm:style>
-      <a:lnRef idx="2">
-        <a:scrgbClr r="0" g="0" b="0"/>
-      </a:lnRef>
-      <a:fillRef idx="1">
-        <a:scrgbClr r="0" g="0" b="0"/>
-      </a:fillRef>
-      <a:effectRef idx="0">
-        <a:scrgbClr r="0" g="0" b="0"/>
-      </a:effectRef>
-      <a:fontRef idx="minor"/>
-    </dgm:style>
-  </dgm:styleLbl>
-  <dgm:styleLbl name="fgAcc3">
-    <dgm:scene3d>
-      <a:camera prst="orthographicFront"/>
-      <a:lightRig rig="threePt" dir="t"/>
-    </dgm:scene3d>
-    <dgm:sp3d/>
-    <dgm:txPr/>
-    <dgm:style>
-      <a:lnRef idx="2">
-        <a:scrgbClr r="0" g="0" b="0"/>
-      </a:lnRef>
-      <a:fillRef idx="1">
-        <a:scrgbClr r="0" g="0" b="0"/>
-      </a:fillRef>
-      <a:effectRef idx="0">
-        <a:scrgbClr r="0" g="0" b="0"/>
-      </a:effectRef>
-      <a:fontRef idx="minor"/>
-    </dgm:style>
-  </dgm:styleLbl>
-  <dgm:styleLbl name="fgAcc4">
-    <dgm:scene3d>
-      <a:camera prst="orthographicFront"/>
-      <a:lightRig rig="threePt" dir="t"/>
-    </dgm:scene3d>
-    <dgm:sp3d/>
-    <dgm:txPr/>
-    <dgm:style>
-      <a:lnRef idx="2">
-        <a:scrgbClr r="0" g="0" b="0"/>
-      </a:lnRef>
-      <a:fillRef idx="1">
-        <a:scrgbClr r="0" g="0" b="0"/>
-      </a:fillRef>
-      <a:effectRef idx="0">
-        <a:scrgbClr r="0" g="0" b="0"/>
-      </a:effectRef>
-      <a:fontRef idx="minor"/>
-    </dgm:style>
-  </dgm:styleLbl>
-  <dgm:styleLbl name="bgShp">
-    <dgm:scene3d>
-      <a:camera prst="orthographicFront"/>
-      <a:lightRig rig="threePt" dir="t"/>
-    </dgm:scene3d>
-    <dgm:sp3d/>
-    <dgm:txPr/>
-    <dgm:style>
-      <a:lnRef idx="0">
-        <a:scrgbClr r="0" g="0" b="0"/>
-      </a:lnRef>
-      <a:fillRef idx="1">
-        <a:scrgbClr r="0" g="0" b="0"/>
-      </a:fillRef>
-      <a:effectRef idx="0">
-        <a:scrgbClr r="0" g="0" b="0"/>
-      </a:effectRef>
-      <a:fontRef idx="minor"/>
-    </dgm:style>
-  </dgm:styleLbl>
-  <dgm:styleLbl name="dkBgShp">
-    <dgm:scene3d>
-      <a:camera prst="orthographicFront"/>
-      <a:lightRig rig="threePt" dir="t"/>
-    </dgm:scene3d>
-    <dgm:sp3d/>
-    <dgm:txPr/>
-    <dgm:style>
-      <a:lnRef idx="0">
-        <a:scrgbClr r="0" g="0" b="0"/>
-      </a:lnRef>
-      <a:fillRef idx="1">
-        <a:scrgbClr r="0" g="0" b="0"/>
-      </a:fillRef>
-      <a:effectRef idx="0">
-        <a:scrgbClr r="0" g="0" b="0"/>
-      </a:effectRef>
-      <a:fontRef idx="minor"/>
-    </dgm:style>
-  </dgm:styleLbl>
-  <dgm:styleLbl name="trBgShp">
-    <dgm:scene3d>
-      <a:camera prst="orthographicFront"/>
-      <a:lightRig rig="threePt" dir="t"/>
-    </dgm:scene3d>
-    <dgm:sp3d/>
-    <dgm:txPr/>
-    <dgm:style>
-      <a:lnRef idx="0">
-        <a:scrgbClr r="0" g="0" b="0"/>
-      </a:lnRef>
-      <a:fillRef idx="1">
-        <a:scrgbClr r="0" g="0" b="0"/>
-      </a:fillRef>
-      <a:effectRef idx="0">
-        <a:scrgbClr r="0" g="0" b="0"/>
-      </a:effectRef>
-      <a:fontRef idx="minor"/>
-    </dgm:style>
-  </dgm:styleLbl>
-  <dgm:styleLbl name="fgShp">
-    <dgm:scene3d>
-      <a:camera prst="orthographicFront"/>
-      <a:lightRig rig="threePt" dir="t"/>
-    </dgm:scene3d>
-    <dgm:sp3d/>
-    <dgm:txPr/>
-    <dgm:style>
-      <a:lnRef idx="2">
-        <a:scrgbClr r="0" g="0" b="0"/>
-      </a:lnRef>
-      <a:fillRef idx="1">
-        <a:scrgbClr r="0" g="0" b="0"/>
-      </a:fillRef>
-      <a:effectRef idx="0">
-        <a:scrgbClr r="0" g="0" b="0"/>
-      </a:effectRef>
-      <a:fontRef idx="minor"/>
-    </dgm:style>
-  </dgm:styleLbl>
-  <dgm:styleLbl name="revTx">
-    <dgm:scene3d>
-      <a:camera prst="orthographicFront"/>
-      <a:lightRig rig="threePt" dir="t"/>
-    </dgm:scene3d>
-    <dgm:sp3d/>
-    <dgm:txPr/>
-    <dgm:style>
-      <a:lnRef idx="0">
-        <a:scrgbClr r="0" g="0" b="0"/>
-      </a:lnRef>
-      <a:fillRef idx="0">
-        <a:scrgbClr r="0" g="0" b="0"/>
-      </a:fillRef>
-      <a:effectRef idx="0">
-        <a:scrgbClr r="0" g="0" b="0"/>
-      </a:effectRef>
-      <a:fontRef idx="minor"/>
-    </dgm:style>
-  </dgm:styleLbl>
-</dgm:styleDef>
-</file>
-
-<file path=ppt/diagrams/quickStyle2.xml><?xml version="1.0" encoding="utf-8"?>
 <dgm:styleDef xmlns:dgm="http://schemas.openxmlformats.org/drawingml/2006/diagram" xmlns:a="http://schemas.openxmlformats.org/drawingml/2006/main" uniqueId="urn:microsoft.com/office/officeart/2005/8/quickstyle/simple1">
   <dgm:title val=""/>
   <dgm:desc val=""/>
@@ -8466,845 +5807,6 @@
           <p:nvPr>
             <p:extLst>
               <p:ext uri="{D42A27DB-BD31-4B8C-83A1-F6EECF244321}">
-                <p14:modId xmlns:p14="http://schemas.microsoft.com/office/powerpoint/2010/main" val="3675805644"/>
-              </p:ext>
-            </p:extLst>
-          </p:nvPr>
-        </p:nvGraphicFramePr>
-        <p:xfrm>
-          <a:off x="1740374" y="2489708"/>
-          <a:ext cx="5663252" cy="288000"/>
-        </p:xfrm>
-        <a:graphic>
-          <a:graphicData uri="http://schemas.openxmlformats.org/drawingml/2006/diagram">
-            <dgm:relIds xmlns:dgm="http://schemas.openxmlformats.org/drawingml/2006/diagram" xmlns:r="http://schemas.openxmlformats.org/officeDocument/2006/relationships" r:dm="rId2" r:lo="rId3" r:qs="rId4" r:cs="rId5"/>
-          </a:graphicData>
-        </a:graphic>
-      </p:graphicFrame>
-      <p:pic>
-        <p:nvPicPr>
-          <p:cNvPr id="1027" name="Picture 3"/>
-          <p:cNvPicPr>
-            <a:picLocks noChangeAspect="1" noChangeArrowheads="1"/>
-          </p:cNvPicPr>
-          <p:nvPr/>
-        </p:nvPicPr>
-        <p:blipFill rotWithShape="1">
-          <a:blip r:embed="rId7" cstate="print">
-            <a:extLst>
-              <a:ext uri="{28A0092B-C50C-407E-A947-70E740481C1C}">
-                <a14:useLocalDpi xmlns:a14="http://schemas.microsoft.com/office/drawing/2010/main" val="0"/>
-              </a:ext>
-            </a:extLst>
-          </a:blip>
-          <a:srcRect/>
-          <a:stretch/>
-        </p:blipFill>
-        <p:spPr bwMode="auto">
-          <a:xfrm>
-            <a:off x="4901804" y="3096284"/>
-            <a:ext cx="648000" cy="758115"/>
-          </a:xfrm>
-          <a:prstGeom prst="rect">
-            <a:avLst/>
-          </a:prstGeom>
-          <a:noFill/>
-          <a:ln>
-            <a:noFill/>
-          </a:ln>
-          <a:extLst>
-            <a:ext uri="{909E8E84-426E-40DD-AFC4-6F175D3DCCD1}">
-              <a14:hiddenFill xmlns:a14="http://schemas.microsoft.com/office/drawing/2010/main">
-                <a:solidFill>
-                  <a:schemeClr val="accent1"/>
-                </a:solidFill>
-              </a14:hiddenFill>
-            </a:ext>
-            <a:ext uri="{91240B29-F687-4F45-9708-019B960494DF}">
-              <a14:hiddenLine xmlns:a14="http://schemas.microsoft.com/office/drawing/2010/main" w="9525">
-                <a:solidFill>
-                  <a:schemeClr val="tx1"/>
-                </a:solidFill>
-                <a:miter lim="800000"/>
-                <a:headEnd/>
-                <a:tailEnd/>
-              </a14:hiddenLine>
-            </a:ext>
-          </a:extLst>
-        </p:spPr>
-      </p:pic>
-      <p:pic>
-        <p:nvPicPr>
-          <p:cNvPr id="1029" name="Picture 5" descr="https://upload.wikimedia.org/wikipedia/commons/thumb/3/3c/Download_on_the_App_Store_Badge.svg/2000px-Download_on_the_App_Store_Badge.svg.png"/>
-          <p:cNvPicPr>
-            <a:picLocks noChangeAspect="1" noChangeArrowheads="1"/>
-          </p:cNvPicPr>
-          <p:nvPr/>
-        </p:nvPicPr>
-        <p:blipFill>
-          <a:blip r:embed="rId8" cstate="print">
-            <a:extLst>
-              <a:ext uri="{28A0092B-C50C-407E-A947-70E740481C1C}">
-                <a14:useLocalDpi xmlns:a14="http://schemas.microsoft.com/office/drawing/2010/main" val="0"/>
-              </a:ext>
-            </a:extLst>
-          </a:blip>
-          <a:srcRect/>
-          <a:stretch>
-            <a:fillRect/>
-          </a:stretch>
-        </p:blipFill>
-        <p:spPr bwMode="auto">
-          <a:xfrm>
-            <a:off x="6137276" y="3065772"/>
-            <a:ext cx="990000" cy="293535"/>
-          </a:xfrm>
-          <a:prstGeom prst="rect">
-            <a:avLst/>
-          </a:prstGeom>
-          <a:noFill/>
-          <a:extLst>
-            <a:ext uri="{909E8E84-426E-40DD-AFC4-6F175D3DCCD1}">
-              <a14:hiddenFill xmlns:a14="http://schemas.microsoft.com/office/drawing/2010/main">
-                <a:solidFill>
-                  <a:srgbClr val="FFFFFF"/>
-                </a:solidFill>
-              </a14:hiddenFill>
-            </a:ext>
-          </a:extLst>
-        </p:spPr>
-      </p:pic>
-      <p:pic>
-        <p:nvPicPr>
-          <p:cNvPr id="1031" name="Picture 7" descr="https://static.cv-library.co.uk/images/app-store-android-download.png"/>
-          <p:cNvPicPr>
-            <a:picLocks noChangeAspect="1" noChangeArrowheads="1"/>
-          </p:cNvPicPr>
-          <p:nvPr/>
-        </p:nvPicPr>
-        <p:blipFill>
-          <a:blip r:embed="rId9" cstate="print">
-            <a:extLst>
-              <a:ext uri="{28A0092B-C50C-407E-A947-70E740481C1C}">
-                <a14:useLocalDpi xmlns:a14="http://schemas.microsoft.com/office/drawing/2010/main" val="0"/>
-              </a:ext>
-            </a:extLst>
-          </a:blip>
-          <a:srcRect/>
-          <a:stretch>
-            <a:fillRect/>
-          </a:stretch>
-        </p:blipFill>
-        <p:spPr bwMode="auto">
-          <a:xfrm>
-            <a:off x="6137276" y="3489869"/>
-            <a:ext cx="990000" cy="293403"/>
-          </a:xfrm>
-          <a:prstGeom prst="rect">
-            <a:avLst/>
-          </a:prstGeom>
-          <a:noFill/>
-          <a:extLst>
-            <a:ext uri="{909E8E84-426E-40DD-AFC4-6F175D3DCCD1}">
-              <a14:hiddenFill xmlns:a14="http://schemas.microsoft.com/office/drawing/2010/main">
-                <a:solidFill>
-                  <a:srgbClr val="FFFFFF"/>
-                </a:solidFill>
-              </a14:hiddenFill>
-            </a:ext>
-          </a:extLst>
-        </p:spPr>
-      </p:pic>
-      <p:pic>
-        <p:nvPicPr>
-          <p:cNvPr id="1033" name="Picture 9" descr="https://i0.wp.com/www.artit-k.com/wp-content/uploads/2016/07/Cover-Firebase_Hosting.png?fit=650%2C300"/>
-          <p:cNvPicPr>
-            <a:picLocks noChangeAspect="1" noChangeArrowheads="1"/>
-          </p:cNvPicPr>
-          <p:nvPr/>
-        </p:nvPicPr>
-        <p:blipFill>
-          <a:blip r:embed="rId10" cstate="print">
-            <a:extLst>
-              <a:ext uri="{28A0092B-C50C-407E-A947-70E740481C1C}">
-                <a14:useLocalDpi xmlns:a14="http://schemas.microsoft.com/office/drawing/2010/main" val="0"/>
-              </a:ext>
-            </a:extLst>
-          </a:blip>
-          <a:srcRect/>
-          <a:stretch>
-            <a:fillRect/>
-          </a:stretch>
-        </p:blipFill>
-        <p:spPr bwMode="auto">
-          <a:xfrm>
-            <a:off x="6137276" y="3913834"/>
-            <a:ext cx="990000" cy="456923"/>
-          </a:xfrm>
-          <a:prstGeom prst="roundRect">
-            <a:avLst>
-              <a:gd name="adj" fmla="val 8525"/>
-            </a:avLst>
-          </a:prstGeom>
-          <a:noFill/>
-          <a:ln>
-            <a:solidFill>
-              <a:srgbClr val="FFC000"/>
-            </a:solidFill>
-          </a:ln>
-          <a:extLst>
-            <a:ext uri="{909E8E84-426E-40DD-AFC4-6F175D3DCCD1}">
-              <a14:hiddenFill xmlns:a14="http://schemas.microsoft.com/office/drawing/2010/main">
-                <a:solidFill>
-                  <a:srgbClr val="FFFFFF"/>
-                </a:solidFill>
-              </a14:hiddenFill>
-            </a:ext>
-          </a:extLst>
-        </p:spPr>
-      </p:pic>
-      <p:sp>
-        <p:nvSpPr>
-          <p:cNvPr id="11" name="Rounded Rectangle 10"/>
-          <p:cNvSpPr/>
-          <p:nvPr/>
-        </p:nvSpPr>
-        <p:spPr>
-          <a:xfrm>
-            <a:off x="6137276" y="4501319"/>
-            <a:ext cx="990000" cy="235742"/>
-          </a:xfrm>
-          <a:prstGeom prst="roundRect">
-            <a:avLst/>
-          </a:prstGeom>
-          <a:ln w="9525">
-            <a:solidFill>
-              <a:schemeClr val="accent3">
-                <a:lumMod val="75000"/>
-              </a:schemeClr>
-            </a:solidFill>
-          </a:ln>
-        </p:spPr>
-        <p:style>
-          <a:lnRef idx="2">
-            <a:schemeClr val="accent6"/>
-          </a:lnRef>
-          <a:fillRef idx="1">
-            <a:schemeClr val="lt1"/>
-          </a:fillRef>
-          <a:effectRef idx="0">
-            <a:schemeClr val="accent6"/>
-          </a:effectRef>
-          <a:fontRef idx="minor">
-            <a:schemeClr val="dk1"/>
-          </a:fontRef>
-        </p:style>
-        <p:txBody>
-          <a:bodyPr rtlCol="0" anchor="ctr"/>
-          <a:lstStyle/>
-          <a:p>
-            <a:pPr algn="ctr"/>
-            <a:r>
-              <a:rPr lang="de-DE" sz="1200" smtClean="0">
-                <a:solidFill>
-                  <a:schemeClr val="accent3">
-                    <a:lumMod val="50000"/>
-                  </a:schemeClr>
-                </a:solidFill>
-              </a:rPr>
-              <a:t>own Server</a:t>
-            </a:r>
-            <a:endParaRPr lang="en-US" sz="1200">
-              <a:solidFill>
-                <a:schemeClr val="accent3">
-                  <a:lumMod val="50000"/>
-                </a:schemeClr>
-              </a:solidFill>
-            </a:endParaRPr>
-          </a:p>
-        </p:txBody>
-      </p:sp>
-      <p:pic>
-        <p:nvPicPr>
-          <p:cNvPr id="1044" name="Picture 20"/>
-          <p:cNvPicPr>
-            <a:picLocks noChangeAspect="1" noChangeArrowheads="1"/>
-          </p:cNvPicPr>
-          <p:nvPr/>
-        </p:nvPicPr>
-        <p:blipFill rotWithShape="1">
-          <a:blip r:embed="rId11" cstate="print">
-            <a:extLst>
-              <a:ext uri="{28A0092B-C50C-407E-A947-70E740481C1C}">
-                <a14:useLocalDpi xmlns:a14="http://schemas.microsoft.com/office/drawing/2010/main" val="0"/>
-              </a:ext>
-            </a:extLst>
-          </a:blip>
-          <a:srcRect/>
-          <a:stretch/>
-        </p:blipFill>
-        <p:spPr bwMode="auto">
-          <a:xfrm>
-            <a:off x="3539913" y="4054729"/>
-            <a:ext cx="720000" cy="766588"/>
-          </a:xfrm>
-          <a:prstGeom prst="rect">
-            <a:avLst/>
-          </a:prstGeom>
-          <a:noFill/>
-          <a:ln>
-            <a:noFill/>
-          </a:ln>
-          <a:extLst>
-            <a:ext uri="{909E8E84-426E-40DD-AFC4-6F175D3DCCD1}">
-              <a14:hiddenFill xmlns:a14="http://schemas.microsoft.com/office/drawing/2010/main">
-                <a:solidFill>
-                  <a:schemeClr val="accent1"/>
-                </a:solidFill>
-              </a14:hiddenFill>
-            </a:ext>
-            <a:ext uri="{91240B29-F687-4F45-9708-019B960494DF}">
-              <a14:hiddenLine xmlns:a14="http://schemas.microsoft.com/office/drawing/2010/main" w="9525">
-                <a:solidFill>
-                  <a:schemeClr val="tx1"/>
-                </a:solidFill>
-                <a:miter lim="800000"/>
-                <a:headEnd/>
-                <a:tailEnd/>
-              </a14:hiddenLine>
-            </a:ext>
-          </a:extLst>
-        </p:spPr>
-      </p:pic>
-      <p:pic>
-        <p:nvPicPr>
-          <p:cNvPr id="1046" name="Picture 22" descr="http://www.swtestacademy.com/wp-content/uploads/2016/03/eslint_logo.png"/>
-          <p:cNvPicPr>
-            <a:picLocks noChangeAspect="1" noChangeArrowheads="1"/>
-          </p:cNvPicPr>
-          <p:nvPr/>
-        </p:nvPicPr>
-        <p:blipFill rotWithShape="1">
-          <a:blip r:embed="rId12" cstate="print">
-            <a:extLst>
-              <a:ext uri="{28A0092B-C50C-407E-A947-70E740481C1C}">
-                <a14:useLocalDpi xmlns:a14="http://schemas.microsoft.com/office/drawing/2010/main" val="0"/>
-              </a:ext>
-            </a:extLst>
-          </a:blip>
-          <a:srcRect/>
-          <a:stretch/>
-        </p:blipFill>
-        <p:spPr bwMode="auto">
-          <a:xfrm>
-            <a:off x="3539913" y="3113603"/>
-            <a:ext cx="720000" cy="723476"/>
-          </a:xfrm>
-          <a:prstGeom prst="rect">
-            <a:avLst/>
-          </a:prstGeom>
-          <a:noFill/>
-          <a:extLst>
-            <a:ext uri="{909E8E84-426E-40DD-AFC4-6F175D3DCCD1}">
-              <a14:hiddenFill xmlns:a14="http://schemas.microsoft.com/office/drawing/2010/main">
-                <a:solidFill>
-                  <a:srgbClr val="FFFFFF"/>
-                </a:solidFill>
-              </a14:hiddenFill>
-            </a:ext>
-          </a:extLst>
-        </p:spPr>
-      </p:pic>
-      <p:pic>
-        <p:nvPicPr>
-          <p:cNvPr id="1048" name="Picture 24" descr="http://idangero.us/swiper/i/logo-f7.png"/>
-          <p:cNvPicPr>
-            <a:picLocks noChangeAspect="1" noChangeArrowheads="1"/>
-          </p:cNvPicPr>
-          <p:nvPr/>
-        </p:nvPicPr>
-        <p:blipFill>
-          <a:blip r:embed="rId13" cstate="print">
-            <a:extLst>
-              <a:ext uri="{28A0092B-C50C-407E-A947-70E740481C1C}">
-                <a14:useLocalDpi xmlns:a14="http://schemas.microsoft.com/office/drawing/2010/main" val="0"/>
-              </a:ext>
-            </a:extLst>
-          </a:blip>
-          <a:srcRect/>
-          <a:stretch>
-            <a:fillRect/>
-          </a:stretch>
-        </p:blipFill>
-        <p:spPr bwMode="auto">
-          <a:xfrm>
-            <a:off x="2086716" y="3115341"/>
-            <a:ext cx="720000" cy="720000"/>
-          </a:xfrm>
-          <a:prstGeom prst="rect">
-            <a:avLst/>
-          </a:prstGeom>
-          <a:noFill/>
-          <a:extLst>
-            <a:ext uri="{909E8E84-426E-40DD-AFC4-6F175D3DCCD1}">
-              <a14:hiddenFill xmlns:a14="http://schemas.microsoft.com/office/drawing/2010/main">
-                <a:solidFill>
-                  <a:srgbClr val="FFFFFF"/>
-                </a:solidFill>
-              </a14:hiddenFill>
-            </a:ext>
-          </a:extLst>
-        </p:spPr>
-      </p:pic>
-      <p:pic>
-        <p:nvPicPr>
-          <p:cNvPr id="1050" name="Picture 26" descr="https://vuejs.org/images/logo.png"/>
-          <p:cNvPicPr>
-            <a:picLocks noChangeAspect="1" noChangeArrowheads="1"/>
-          </p:cNvPicPr>
-          <p:nvPr/>
-        </p:nvPicPr>
-        <p:blipFill>
-          <a:blip r:embed="rId14" cstate="print">
-            <a:extLst>
-              <a:ext uri="{28A0092B-C50C-407E-A947-70E740481C1C}">
-                <a14:useLocalDpi xmlns:a14="http://schemas.microsoft.com/office/drawing/2010/main" val="0"/>
-              </a:ext>
-            </a:extLst>
-          </a:blip>
-          <a:srcRect/>
-          <a:stretch>
-            <a:fillRect/>
-          </a:stretch>
-        </p:blipFill>
-        <p:spPr bwMode="auto">
-          <a:xfrm>
-            <a:off x="2086716" y="4078023"/>
-            <a:ext cx="720000" cy="720000"/>
-          </a:xfrm>
-          <a:prstGeom prst="rect">
-            <a:avLst/>
-          </a:prstGeom>
-          <a:noFill/>
-          <a:extLst>
-            <a:ext uri="{909E8E84-426E-40DD-AFC4-6F175D3DCCD1}">
-              <a14:hiddenFill xmlns:a14="http://schemas.microsoft.com/office/drawing/2010/main">
-                <a:solidFill>
-                  <a:srgbClr val="FFFFFF"/>
-                </a:solidFill>
-              </a14:hiddenFill>
-            </a:ext>
-          </a:extLst>
-        </p:spPr>
-      </p:pic>
-      <p:pic>
-        <p:nvPicPr>
-          <p:cNvPr id="1052" name="Picture 28" descr="https://cdn.auth0.com/blog/converting-your-app-to-mobile/logo.png"/>
-          <p:cNvPicPr>
-            <a:picLocks noChangeAspect="1" noChangeArrowheads="1"/>
-          </p:cNvPicPr>
-          <p:nvPr/>
-        </p:nvPicPr>
-        <p:blipFill rotWithShape="1">
-          <a:blip r:embed="rId15" cstate="print">
-            <a:extLst>
-              <a:ext uri="{28A0092B-C50C-407E-A947-70E740481C1C}">
-                <a14:useLocalDpi xmlns:a14="http://schemas.microsoft.com/office/drawing/2010/main" val="0"/>
-              </a:ext>
-            </a:extLst>
-          </a:blip>
-          <a:srcRect/>
-          <a:stretch/>
-        </p:blipFill>
-        <p:spPr bwMode="auto">
-          <a:xfrm>
-            <a:off x="4793804" y="4003699"/>
-            <a:ext cx="864000" cy="868649"/>
-          </a:xfrm>
-          <a:prstGeom prst="rect">
-            <a:avLst/>
-          </a:prstGeom>
-          <a:noFill/>
-          <a:extLst>
-            <a:ext uri="{909E8E84-426E-40DD-AFC4-6F175D3DCCD1}">
-              <a14:hiddenFill xmlns:a14="http://schemas.microsoft.com/office/drawing/2010/main">
-                <a:solidFill>
-                  <a:srgbClr val="FFFFFF"/>
-                </a:solidFill>
-              </a14:hiddenFill>
-            </a:ext>
-          </a:extLst>
-        </p:spPr>
-      </p:pic>
-      <p:sp>
-        <p:nvSpPr>
-          <p:cNvPr id="16" name="Rectangle 15"/>
-          <p:cNvSpPr/>
-          <p:nvPr/>
-        </p:nvSpPr>
-        <p:spPr>
-          <a:xfrm>
-            <a:off x="6071360" y="3027411"/>
-            <a:ext cx="1135024" cy="360000"/>
-          </a:xfrm>
-          <a:prstGeom prst="rect">
-            <a:avLst/>
-          </a:prstGeom>
-          <a:solidFill>
-            <a:schemeClr val="bg1">
-              <a:alpha val="54000"/>
-            </a:schemeClr>
-          </a:solidFill>
-          <a:ln>
-            <a:noFill/>
-            <a:prstDash val="sysDash"/>
-          </a:ln>
-        </p:spPr>
-        <p:style>
-          <a:lnRef idx="2">
-            <a:schemeClr val="accent1">
-              <a:shade val="50000"/>
-            </a:schemeClr>
-          </a:lnRef>
-          <a:fillRef idx="1">
-            <a:schemeClr val="accent1"/>
-          </a:fillRef>
-          <a:effectRef idx="0">
-            <a:schemeClr val="accent1"/>
-          </a:effectRef>
-          <a:fontRef idx="minor">
-            <a:schemeClr val="lt1"/>
-          </a:fontRef>
-        </p:style>
-        <p:txBody>
-          <a:bodyPr rtlCol="0" anchor="ctr"/>
-          <a:lstStyle/>
-          <a:p>
-            <a:pPr algn="ctr"/>
-            <a:r>
-              <a:rPr lang="de-DE" smtClean="0">
-                <a:solidFill>
-                  <a:srgbClr val="FF0000"/>
-                </a:solidFill>
-              </a:rPr>
-              <a:t>WIP</a:t>
-            </a:r>
-            <a:endParaRPr lang="en-US">
-              <a:solidFill>
-                <a:srgbClr val="FF0000"/>
-              </a:solidFill>
-            </a:endParaRPr>
-          </a:p>
-        </p:txBody>
-      </p:sp>
-      <p:sp>
-        <p:nvSpPr>
-          <p:cNvPr id="17" name="Rectangle 16"/>
-          <p:cNvSpPr/>
-          <p:nvPr/>
-        </p:nvSpPr>
-        <p:spPr>
-          <a:xfrm>
-            <a:off x="4762550" y="4054729"/>
-            <a:ext cx="961578" cy="743294"/>
-          </a:xfrm>
-          <a:prstGeom prst="rect">
-            <a:avLst/>
-          </a:prstGeom>
-          <a:solidFill>
-            <a:schemeClr val="bg1">
-              <a:alpha val="54000"/>
-            </a:schemeClr>
-          </a:solidFill>
-          <a:ln>
-            <a:noFill/>
-            <a:prstDash val="sysDash"/>
-          </a:ln>
-        </p:spPr>
-        <p:style>
-          <a:lnRef idx="2">
-            <a:schemeClr val="accent1">
-              <a:shade val="50000"/>
-            </a:schemeClr>
-          </a:lnRef>
-          <a:fillRef idx="1">
-            <a:schemeClr val="accent1"/>
-          </a:fillRef>
-          <a:effectRef idx="0">
-            <a:schemeClr val="accent1"/>
-          </a:effectRef>
-          <a:fontRef idx="minor">
-            <a:schemeClr val="lt1"/>
-          </a:fontRef>
-        </p:style>
-        <p:txBody>
-          <a:bodyPr rtlCol="0" anchor="ctr"/>
-          <a:lstStyle/>
-          <a:p>
-            <a:pPr algn="ctr"/>
-            <a:r>
-              <a:rPr lang="de-DE" smtClean="0">
-                <a:solidFill>
-                  <a:srgbClr val="FF0000"/>
-                </a:solidFill>
-              </a:rPr>
-              <a:t>WIP</a:t>
-            </a:r>
-            <a:endParaRPr lang="en-US">
-              <a:solidFill>
-                <a:srgbClr val="FF0000"/>
-              </a:solidFill>
-            </a:endParaRPr>
-          </a:p>
-        </p:txBody>
-      </p:sp>
-      <p:sp>
-        <p:nvSpPr>
-          <p:cNvPr id="19" name="Rectangle 18"/>
-          <p:cNvSpPr/>
-          <p:nvPr/>
-        </p:nvSpPr>
-        <p:spPr>
-          <a:xfrm>
-            <a:off x="6071360" y="3451847"/>
-            <a:ext cx="1135024" cy="360000"/>
-          </a:xfrm>
-          <a:prstGeom prst="rect">
-            <a:avLst/>
-          </a:prstGeom>
-          <a:solidFill>
-            <a:schemeClr val="bg1">
-              <a:alpha val="54000"/>
-            </a:schemeClr>
-          </a:solidFill>
-          <a:ln>
-            <a:noFill/>
-            <a:prstDash val="sysDash"/>
-          </a:ln>
-        </p:spPr>
-        <p:style>
-          <a:lnRef idx="2">
-            <a:schemeClr val="accent1">
-              <a:shade val="50000"/>
-            </a:schemeClr>
-          </a:lnRef>
-          <a:fillRef idx="1">
-            <a:schemeClr val="accent1"/>
-          </a:fillRef>
-          <a:effectRef idx="0">
-            <a:schemeClr val="accent1"/>
-          </a:effectRef>
-          <a:fontRef idx="minor">
-            <a:schemeClr val="lt1"/>
-          </a:fontRef>
-        </p:style>
-        <p:txBody>
-          <a:bodyPr rtlCol="0" anchor="ctr"/>
-          <a:lstStyle/>
-          <a:p>
-            <a:pPr algn="ctr"/>
-            <a:r>
-              <a:rPr lang="de-DE" smtClean="0">
-                <a:solidFill>
-                  <a:srgbClr val="FF0000"/>
-                </a:solidFill>
-              </a:rPr>
-              <a:t>WIP</a:t>
-            </a:r>
-            <a:endParaRPr lang="en-US">
-              <a:solidFill>
-                <a:srgbClr val="FF0000"/>
-              </a:solidFill>
-            </a:endParaRPr>
-          </a:p>
-        </p:txBody>
-      </p:sp>
-      <p:sp>
-        <p:nvSpPr>
-          <p:cNvPr id="21" name="Rounded Rectangle 20"/>
-          <p:cNvSpPr/>
-          <p:nvPr/>
-        </p:nvSpPr>
-        <p:spPr>
-          <a:xfrm>
-            <a:off x="1956396" y="5013176"/>
-            <a:ext cx="5256585" cy="288032"/>
-          </a:xfrm>
-          <a:prstGeom prst="roundRect">
-            <a:avLst>
-              <a:gd name="adj" fmla="val 50000"/>
-            </a:avLst>
-          </a:prstGeom>
-          <a:noFill/>
-          <a:ln>
-            <a:noFill/>
-          </a:ln>
-        </p:spPr>
-        <p:style>
-          <a:lnRef idx="2">
-            <a:schemeClr val="accent1">
-              <a:shade val="50000"/>
-            </a:schemeClr>
-          </a:lnRef>
-          <a:fillRef idx="1">
-            <a:schemeClr val="accent1"/>
-          </a:fillRef>
-          <a:effectRef idx="0">
-            <a:schemeClr val="accent1"/>
-          </a:effectRef>
-          <a:fontRef idx="minor">
-            <a:schemeClr val="lt1"/>
-          </a:fontRef>
-        </p:style>
-        <p:txBody>
-          <a:bodyPr rtlCol="0" anchor="ctr"/>
-          <a:lstStyle/>
-          <a:p>
-            <a:pPr algn="ctr"/>
-            <a:r>
-              <a:rPr lang="de-DE" sz="1050" b="1" smtClean="0">
-                <a:solidFill>
-                  <a:schemeClr val="bg1">
-                    <a:lumMod val="50000"/>
-                  </a:schemeClr>
-                </a:solidFill>
-              </a:rPr>
-              <a:t>https</a:t>
-            </a:r>
-            <a:r>
-              <a:rPr lang="de-DE" sz="1050" b="1">
-                <a:solidFill>
-                  <a:schemeClr val="bg1">
-                    <a:lumMod val="50000"/>
-                  </a:schemeClr>
-                </a:solidFill>
-              </a:rPr>
-              <a:t>://</a:t>
-            </a:r>
-            <a:r>
-              <a:rPr lang="de-DE" sz="1050" b="1" smtClean="0">
-                <a:solidFill>
-                  <a:schemeClr val="bg1">
-                    <a:lumMod val="50000"/>
-                  </a:schemeClr>
-                </a:solidFill>
-              </a:rPr>
-              <a:t>github.com/scriptPilot/app-framework</a:t>
-            </a:r>
-            <a:r>
-              <a:rPr lang="de-DE" sz="1050" b="1">
-                <a:solidFill>
-                  <a:schemeClr val="bg1">
-                    <a:lumMod val="50000"/>
-                  </a:schemeClr>
-                </a:solidFill>
-              </a:rPr>
-              <a:t> </a:t>
-            </a:r>
-            <a:r>
-              <a:rPr lang="de-DE" sz="1050" b="1" smtClean="0">
-                <a:solidFill>
-                  <a:schemeClr val="bg1">
-                    <a:lumMod val="50000"/>
-                  </a:schemeClr>
-                </a:solidFill>
-              </a:rPr>
-              <a:t> -  Does all the ticky stuff for you for free!</a:t>
-            </a:r>
-            <a:endParaRPr lang="en-US" sz="1050">
-              <a:solidFill>
-                <a:schemeClr val="bg1">
-                  <a:lumMod val="50000"/>
-                </a:schemeClr>
-              </a:solidFill>
-            </a:endParaRPr>
-          </a:p>
-        </p:txBody>
-      </p:sp>
-    </p:spTree>
-    <p:extLst>
-      <p:ext uri="{BB962C8B-B14F-4D97-AF65-F5344CB8AC3E}">
-        <p14:creationId xmlns:p14="http://schemas.microsoft.com/office/powerpoint/2010/main" val="964450709"/>
-      </p:ext>
-    </p:extLst>
-  </p:cSld>
-  <p:clrMapOvr>
-    <a:masterClrMapping/>
-  </p:clrMapOvr>
-</p:sld>
-</file>
-
-<file path=ppt/slides/slide2.xml><?xml version="1.0" encoding="utf-8"?>
-<p:sld xmlns:a="http://schemas.openxmlformats.org/drawingml/2006/main" xmlns:r="http://schemas.openxmlformats.org/officeDocument/2006/relationships" xmlns:p="http://schemas.openxmlformats.org/presentationml/2006/main">
-  <p:cSld>
-    <p:spTree>
-      <p:nvGrpSpPr>
-        <p:cNvPr id="1" name=""/>
-        <p:cNvGrpSpPr/>
-        <p:nvPr/>
-      </p:nvGrpSpPr>
-      <p:grpSpPr>
-        <a:xfrm>
-          <a:off x="0" y="0"/>
-          <a:ext cx="0" cy="0"/>
-          <a:chOff x="0" y="0"/>
-          <a:chExt cx="0" cy="0"/>
-        </a:xfrm>
-      </p:grpSpPr>
-      <p:sp>
-        <p:nvSpPr>
-          <p:cNvPr id="3" name="Rectangle 2"/>
-          <p:cNvSpPr/>
-          <p:nvPr/>
-        </p:nvSpPr>
-        <p:spPr>
-          <a:xfrm>
-            <a:off x="1663105" y="2348880"/>
-            <a:ext cx="5832648" cy="2664296"/>
-          </a:xfrm>
-          <a:prstGeom prst="rect">
-            <a:avLst/>
-          </a:prstGeom>
-          <a:solidFill>
-            <a:schemeClr val="bg1"/>
-          </a:solidFill>
-          <a:ln>
-            <a:noFill/>
-            <a:prstDash val="sysDash"/>
-          </a:ln>
-        </p:spPr>
-        <p:style>
-          <a:lnRef idx="2">
-            <a:schemeClr val="accent1">
-              <a:shade val="50000"/>
-            </a:schemeClr>
-          </a:lnRef>
-          <a:fillRef idx="1">
-            <a:schemeClr val="accent1"/>
-          </a:fillRef>
-          <a:effectRef idx="0">
-            <a:schemeClr val="accent1"/>
-          </a:effectRef>
-          <a:fontRef idx="minor">
-            <a:schemeClr val="lt1"/>
-          </a:fontRef>
-        </p:style>
-        <p:txBody>
-          <a:bodyPr rtlCol="0" anchor="ctr"/>
-          <a:lstStyle/>
-          <a:p>
-            <a:pPr algn="ctr"/>
-            <a:endParaRPr lang="en-US"/>
-          </a:p>
-        </p:txBody>
-      </p:sp>
-      <p:graphicFrame>
-        <p:nvGraphicFramePr>
-          <p:cNvPr id="4" name="Diagram 3"/>
-          <p:cNvGraphicFramePr/>
-          <p:nvPr>
-            <p:extLst>
-              <p:ext uri="{D42A27DB-BD31-4B8C-83A1-F6EECF244321}">
                 <p14:modId xmlns:p14="http://schemas.microsoft.com/office/powerpoint/2010/main" val="1348333400"/>
               </p:ext>
             </p:extLst>
@@ -9775,6 +6277,198 @@
           </a:extLst>
         </p:spPr>
       </p:pic>
+      <p:sp>
+        <p:nvSpPr>
+          <p:cNvPr id="14" name="Snip Diagonal Corner Rectangle 13"/>
+          <p:cNvSpPr/>
+          <p:nvPr/>
+        </p:nvSpPr>
+        <p:spPr>
+          <a:xfrm rot="18900000">
+            <a:off x="6584878" y="3132057"/>
+            <a:ext cx="595012" cy="139761"/>
+          </a:xfrm>
+          <a:prstGeom prst="snip2DiagRect">
+            <a:avLst>
+              <a:gd name="adj1" fmla="val 0"/>
+              <a:gd name="adj2" fmla="val 39745"/>
+            </a:avLst>
+          </a:prstGeom>
+          <a:solidFill>
+            <a:schemeClr val="bg1">
+              <a:alpha val="75000"/>
+            </a:schemeClr>
+          </a:solidFill>
+          <a:ln>
+            <a:noFill/>
+            <a:prstDash val="sysDash"/>
+          </a:ln>
+        </p:spPr>
+        <p:style>
+          <a:lnRef idx="2">
+            <a:schemeClr val="accent1">
+              <a:shade val="50000"/>
+            </a:schemeClr>
+          </a:lnRef>
+          <a:fillRef idx="1">
+            <a:schemeClr val="accent1"/>
+          </a:fillRef>
+          <a:effectRef idx="0">
+            <a:schemeClr val="accent1"/>
+          </a:effectRef>
+          <a:fontRef idx="minor">
+            <a:schemeClr val="lt1"/>
+          </a:fontRef>
+        </p:style>
+        <p:txBody>
+          <a:bodyPr lIns="0" tIns="0" rIns="0" bIns="0" rtlCol="0" anchor="ctr"/>
+          <a:lstStyle/>
+          <a:p>
+            <a:pPr algn="ctr"/>
+            <a:r>
+              <a:rPr lang="de-DE" sz="1100" smtClean="0">
+                <a:solidFill>
+                  <a:srgbClr val="C00000"/>
+                </a:solidFill>
+              </a:rPr>
+              <a:t>WIP</a:t>
+            </a:r>
+            <a:endParaRPr lang="en-US" sz="1100">
+              <a:solidFill>
+                <a:srgbClr val="C00000"/>
+              </a:solidFill>
+            </a:endParaRPr>
+          </a:p>
+        </p:txBody>
+      </p:sp>
+      <p:sp>
+        <p:nvSpPr>
+          <p:cNvPr id="15" name="Snip Diagonal Corner Rectangle 14"/>
+          <p:cNvSpPr/>
+          <p:nvPr/>
+        </p:nvSpPr>
+        <p:spPr>
+          <a:xfrm rot="18900000">
+            <a:off x="6604720" y="3569319"/>
+            <a:ext cx="555331" cy="139761"/>
+          </a:xfrm>
+          <a:prstGeom prst="snip2DiagRect">
+            <a:avLst>
+              <a:gd name="adj1" fmla="val 0"/>
+              <a:gd name="adj2" fmla="val 39745"/>
+            </a:avLst>
+          </a:prstGeom>
+          <a:solidFill>
+            <a:schemeClr val="bg1">
+              <a:alpha val="75000"/>
+            </a:schemeClr>
+          </a:solidFill>
+          <a:ln>
+            <a:noFill/>
+            <a:prstDash val="sysDash"/>
+          </a:ln>
+        </p:spPr>
+        <p:style>
+          <a:lnRef idx="2">
+            <a:schemeClr val="accent1">
+              <a:shade val="50000"/>
+            </a:schemeClr>
+          </a:lnRef>
+          <a:fillRef idx="1">
+            <a:schemeClr val="accent1"/>
+          </a:fillRef>
+          <a:effectRef idx="0">
+            <a:schemeClr val="accent1"/>
+          </a:effectRef>
+          <a:fontRef idx="minor">
+            <a:schemeClr val="lt1"/>
+          </a:fontRef>
+        </p:style>
+        <p:txBody>
+          <a:bodyPr lIns="0" tIns="0" rIns="0" bIns="0" rtlCol="0" anchor="ctr"/>
+          <a:lstStyle/>
+          <a:p>
+            <a:pPr algn="ctr"/>
+            <a:r>
+              <a:rPr lang="de-DE" sz="1100" smtClean="0">
+                <a:solidFill>
+                  <a:srgbClr val="C00000"/>
+                </a:solidFill>
+              </a:rPr>
+              <a:t>WIP</a:t>
+            </a:r>
+            <a:endParaRPr lang="en-US" sz="1100">
+              <a:solidFill>
+                <a:srgbClr val="C00000"/>
+              </a:solidFill>
+            </a:endParaRPr>
+          </a:p>
+        </p:txBody>
+      </p:sp>
+      <p:sp>
+        <p:nvSpPr>
+          <p:cNvPr id="16" name="Snip Diagonal Corner Rectangle 15"/>
+          <p:cNvSpPr/>
+          <p:nvPr/>
+        </p:nvSpPr>
+        <p:spPr>
+          <a:xfrm rot="18900000">
+            <a:off x="4868324" y="4465706"/>
+            <a:ext cx="874782" cy="182129"/>
+          </a:xfrm>
+          <a:prstGeom prst="snip2DiagRect">
+            <a:avLst>
+              <a:gd name="adj1" fmla="val 0"/>
+              <a:gd name="adj2" fmla="val 39745"/>
+            </a:avLst>
+          </a:prstGeom>
+          <a:solidFill>
+            <a:schemeClr val="bg1">
+              <a:alpha val="75000"/>
+            </a:schemeClr>
+          </a:solidFill>
+          <a:ln>
+            <a:noFill/>
+            <a:prstDash val="sysDash"/>
+          </a:ln>
+        </p:spPr>
+        <p:style>
+          <a:lnRef idx="2">
+            <a:schemeClr val="accent1">
+              <a:shade val="50000"/>
+            </a:schemeClr>
+          </a:lnRef>
+          <a:fillRef idx="1">
+            <a:schemeClr val="accent1"/>
+          </a:fillRef>
+          <a:effectRef idx="0">
+            <a:schemeClr val="accent1"/>
+          </a:effectRef>
+          <a:fontRef idx="minor">
+            <a:schemeClr val="lt1"/>
+          </a:fontRef>
+        </p:style>
+        <p:txBody>
+          <a:bodyPr lIns="0" tIns="0" rIns="0" bIns="0" rtlCol="0" anchor="ctr"/>
+          <a:lstStyle/>
+          <a:p>
+            <a:pPr algn="ctr"/>
+            <a:r>
+              <a:rPr lang="de-DE" sz="1100" smtClean="0">
+                <a:solidFill>
+                  <a:srgbClr val="C00000"/>
+                </a:solidFill>
+              </a:rPr>
+              <a:t>WIP</a:t>
+            </a:r>
+            <a:endParaRPr lang="en-US" sz="1100">
+              <a:solidFill>
+                <a:srgbClr val="C00000"/>
+              </a:solidFill>
+            </a:endParaRPr>
+          </a:p>
+        </p:txBody>
+      </p:sp>
     </p:spTree>
     <p:extLst>
       <p:ext uri="{BB962C8B-B14F-4D97-AF65-F5344CB8AC3E}">
